--- a/devops.pptx
+++ b/devops.pptx
@@ -5,24 +5,25 @@
     <p:sldMasterId id="2147483648" r:id="rId1"/>
   </p:sldMasterIdLst>
   <p:notesMasterIdLst>
-    <p:notesMasterId r:id="rId17"/>
+    <p:notesMasterId r:id="rId18"/>
   </p:notesMasterIdLst>
   <p:sldIdLst>
     <p:sldId id="256" r:id="rId2"/>
-    <p:sldId id="259" r:id="rId3"/>
-    <p:sldId id="257" r:id="rId4"/>
-    <p:sldId id="261" r:id="rId5"/>
-    <p:sldId id="267" r:id="rId6"/>
-    <p:sldId id="268" r:id="rId7"/>
-    <p:sldId id="262" r:id="rId8"/>
-    <p:sldId id="263" r:id="rId9"/>
-    <p:sldId id="269" r:id="rId10"/>
-    <p:sldId id="258" r:id="rId11"/>
-    <p:sldId id="270" r:id="rId12"/>
-    <p:sldId id="264" r:id="rId13"/>
-    <p:sldId id="265" r:id="rId14"/>
-    <p:sldId id="266" r:id="rId15"/>
-    <p:sldId id="260" r:id="rId16"/>
+    <p:sldId id="271" r:id="rId3"/>
+    <p:sldId id="272" r:id="rId4"/>
+    <p:sldId id="259" r:id="rId5"/>
+    <p:sldId id="257" r:id="rId6"/>
+    <p:sldId id="261" r:id="rId7"/>
+    <p:sldId id="267" r:id="rId8"/>
+    <p:sldId id="268" r:id="rId9"/>
+    <p:sldId id="262" r:id="rId10"/>
+    <p:sldId id="263" r:id="rId11"/>
+    <p:sldId id="269" r:id="rId12"/>
+    <p:sldId id="258" r:id="rId13"/>
+    <p:sldId id="270" r:id="rId14"/>
+    <p:sldId id="264" r:id="rId15"/>
+    <p:sldId id="265" r:id="rId16"/>
+    <p:sldId id="266" r:id="rId17"/>
   </p:sldIdLst>
   <p:sldSz cx="12192000" cy="6858000"/>
   <p:notesSz cx="6858000" cy="9144000"/>
@@ -1675,37 +1676,37 @@
     </dgm:pt>
   </dgm:ptLst>
   <dgm:cxnLst>
-    <dgm:cxn modelId="{0CCE6DB0-0D68-402E-BB43-CE0FF499F779}" srcId="{D2659067-6DF2-401D-B625-37F561B867D6}" destId="{6D476E5A-5630-4CDA-8FE6-DA9F7273A731}" srcOrd="1" destOrd="0" parTransId="{E8701768-EE93-451F-8895-8961A1EB7FFE}" sibTransId="{9721AF67-5BF4-4446-9308-55A94563C7DA}"/>
+    <dgm:cxn modelId="{5F224DE9-152C-B442-8FB1-607CEDF2496F}" type="presOf" srcId="{EF3D2373-FAE7-4631-88CC-63643E122596}" destId="{7EFA0BD4-3154-4B40-9409-492F88C3F4A8}" srcOrd="0" destOrd="0" presId="urn:microsoft.com/office/officeart/2005/8/layout/vList6"/>
+    <dgm:cxn modelId="{6BA96E15-658C-6343-9753-EC42F7135BA2}" type="presOf" srcId="{63A9D092-3E2A-4BE1-B932-56DB7FE2FB21}" destId="{19F58EED-DF02-4F07-B8EB-1283B97959E6}" srcOrd="0" destOrd="0" presId="urn:microsoft.com/office/officeart/2005/8/layout/vList6"/>
+    <dgm:cxn modelId="{FD242B01-FCB5-491C-9B54-F4C4891EEEF5}" srcId="{FA90E620-BFBB-4BDB-828C-E58F39E97AFF}" destId="{D2659067-6DF2-401D-B625-37F561B867D6}" srcOrd="2" destOrd="0" parTransId="{E510BCAC-B9F5-4F02-BD90-397288189770}" sibTransId="{6A2D2A82-F123-4398-8998-67F23A2112A6}"/>
+    <dgm:cxn modelId="{9BBB416B-9FC1-F84E-8120-88FD855C8D41}" type="presOf" srcId="{B202A5E4-C8E0-46E9-BB4D-D8CB269DA483}" destId="{3DB8D15C-8A64-4A33-84A7-5A8721504230}" srcOrd="0" destOrd="0" presId="urn:microsoft.com/office/officeart/2005/8/layout/vList6"/>
+    <dgm:cxn modelId="{22C059B8-042C-4D3C-B63E-3D0A2E058BF1}" srcId="{FA90E620-BFBB-4BDB-828C-E58F39E97AFF}" destId="{9A0C9BA0-C1F9-47F9-885B-8310C1AB5F41}" srcOrd="0" destOrd="0" parTransId="{EA504DA5-85BE-44FF-A571-00E678D508AC}" sibTransId="{6D94CE56-2F1D-4194-917C-1C848D6368B0}"/>
     <dgm:cxn modelId="{410219C1-7ECE-4B19-A4A9-638BB34DEF6B}" srcId="{9A0C9BA0-C1F9-47F9-885B-8310C1AB5F41}" destId="{3F36DDFD-6FCA-4A10-88FD-3433BC041B02}" srcOrd="0" destOrd="0" parTransId="{6623D9CE-BB59-4433-BE00-688C9B542C29}" sibTransId="{8E02E690-DE03-4AED-B755-BF4186101580}"/>
+    <dgm:cxn modelId="{C598A8F2-C58F-4B0E-BD8E-1B42166A78D7}" srcId="{B202A5E4-C8E0-46E9-BB4D-D8CB269DA483}" destId="{AF66246A-B71D-414B-9955-33878D05225C}" srcOrd="0" destOrd="0" parTransId="{99F3E5ED-4982-482D-92CA-EE147261A338}" sibTransId="{D7B78468-20FB-474B-81EB-DA35090AF35E}"/>
+    <dgm:cxn modelId="{F1F67D35-5A7C-431A-A3CB-F3B50637E1CA}" srcId="{9A0C9BA0-C1F9-47F9-885B-8310C1AB5F41}" destId="{C5EEAED4-051F-43A9-8379-91A7491EA5AC}" srcOrd="1" destOrd="0" parTransId="{654536CF-E661-4403-BC5E-65CF88A92DF6}" sibTransId="{67DEBD24-1E97-4124-920E-7D4637BE051E}"/>
+    <dgm:cxn modelId="{908BC788-F3B7-45BA-8787-A5398EF996B7}" srcId="{EF3D2373-FAE7-4631-88CC-63643E122596}" destId="{63A9D092-3E2A-4BE1-B932-56DB7FE2FB21}" srcOrd="0" destOrd="0" parTransId="{938E7FA4-9148-49DB-B822-DA50750935CC}" sibTransId="{DE521FFB-80AE-4FB7-8093-D288C9F29F22}"/>
+    <dgm:cxn modelId="{A4FA805B-4D6B-DB4E-AB2D-BD74F4B20625}" type="presOf" srcId="{F5446AE4-7C24-4065-9CB9-8D9A7A79DA4D}" destId="{DCB734AE-0F8C-4F25-8517-09B6E14B9535}" srcOrd="0" destOrd="1" presId="urn:microsoft.com/office/officeart/2005/8/layout/vList6"/>
+    <dgm:cxn modelId="{D6F82C6E-1EC2-A24A-8986-8876282F09DA}" type="presOf" srcId="{3F36DDFD-6FCA-4A10-88FD-3433BC041B02}" destId="{C012DA20-B11A-4615-BF4F-254F924AE97B}" srcOrd="0" destOrd="0" presId="urn:microsoft.com/office/officeart/2005/8/layout/vList6"/>
     <dgm:cxn modelId="{538C5A3A-D24F-403A-8608-5AB3A62F537F}" srcId="{EF3D2373-FAE7-4631-88CC-63643E122596}" destId="{CD7C4146-F4B6-4994-B8F9-F46C0E35C1A0}" srcOrd="1" destOrd="0" parTransId="{4C0749C0-583C-4055-903C-786837444E8C}" sibTransId="{83FB3A8E-E7A8-46B5-990E-3D893C249272}"/>
-    <dgm:cxn modelId="{5ACAB01E-3610-2946-A243-BFA519D1166A}" type="presOf" srcId="{6D476E5A-5630-4CDA-8FE6-DA9F7273A731}" destId="{E31E5032-D160-490E-BF4A-C71ECBF9BBEC}" srcOrd="0" destOrd="1" presId="urn:microsoft.com/office/officeart/2005/8/layout/vList6"/>
+    <dgm:cxn modelId="{263B65B2-2EC0-DC48-A885-323E3B151475}" type="presOf" srcId="{C5EEAED4-051F-43A9-8379-91A7491EA5AC}" destId="{C012DA20-B11A-4615-BF4F-254F924AE97B}" srcOrd="0" destOrd="1" presId="urn:microsoft.com/office/officeart/2005/8/layout/vList6"/>
+    <dgm:cxn modelId="{24FABD4B-68C2-9F46-A8BC-0F9C7433D2E4}" type="presOf" srcId="{AF66246A-B71D-414B-9955-33878D05225C}" destId="{DCB734AE-0F8C-4F25-8517-09B6E14B9535}" srcOrd="0" destOrd="0" presId="urn:microsoft.com/office/officeart/2005/8/layout/vList6"/>
+    <dgm:cxn modelId="{39776E6A-9EB0-1740-85BD-0FD9A57407C7}" type="presOf" srcId="{CD7C4146-F4B6-4994-B8F9-F46C0E35C1A0}" destId="{19F58EED-DF02-4F07-B8EB-1283B97959E6}" srcOrd="0" destOrd="1" presId="urn:microsoft.com/office/officeart/2005/8/layout/vList6"/>
+    <dgm:cxn modelId="{2F9AB5CA-42C5-B346-BB2C-FE2628265AA2}" type="presOf" srcId="{D2659067-6DF2-401D-B625-37F561B867D6}" destId="{20C76004-DBC3-45E8-A3A1-010351152950}" srcOrd="0" destOrd="0" presId="urn:microsoft.com/office/officeart/2005/8/layout/vList6"/>
     <dgm:cxn modelId="{04197003-C15B-CD41-843A-17C230EC461C}" type="presOf" srcId="{FA90E620-BFBB-4BDB-828C-E58F39E97AFF}" destId="{DE140E2E-CB55-470F-86AF-4D4C092E8997}" srcOrd="0" destOrd="0" presId="urn:microsoft.com/office/officeart/2005/8/layout/vList6"/>
-    <dgm:cxn modelId="{263B65B2-2EC0-DC48-A885-323E3B151475}" type="presOf" srcId="{C5EEAED4-051F-43A9-8379-91A7491EA5AC}" destId="{C012DA20-B11A-4615-BF4F-254F924AE97B}" srcOrd="0" destOrd="1" presId="urn:microsoft.com/office/officeart/2005/8/layout/vList6"/>
-    <dgm:cxn modelId="{56334C39-066E-764A-AE18-4DD52337BFF9}" type="presOf" srcId="{9A0C9BA0-C1F9-47F9-885B-8310C1AB5F41}" destId="{7052E4F3-5EE7-449C-A96E-8E64DDF03D02}" srcOrd="0" destOrd="0" presId="urn:microsoft.com/office/officeart/2005/8/layout/vList6"/>
-    <dgm:cxn modelId="{FD242B01-FCB5-491C-9B54-F4C4891EEEF5}" srcId="{FA90E620-BFBB-4BDB-828C-E58F39E97AFF}" destId="{D2659067-6DF2-401D-B625-37F561B867D6}" srcOrd="2" destOrd="0" parTransId="{E510BCAC-B9F5-4F02-BD90-397288189770}" sibTransId="{6A2D2A82-F123-4398-8998-67F23A2112A6}"/>
-    <dgm:cxn modelId="{DB84C06C-A247-46F0-A508-414C2121C19A}" srcId="{B202A5E4-C8E0-46E9-BB4D-D8CB269DA483}" destId="{F5446AE4-7C24-4065-9CB9-8D9A7A79DA4D}" srcOrd="1" destOrd="0" parTransId="{67F58C06-2388-42DB-BD02-AB9A99D1E850}" sibTransId="{74C6A979-6A5D-4D6A-81CE-04F79E83F5FF}"/>
-    <dgm:cxn modelId="{A4FA805B-4D6B-DB4E-AB2D-BD74F4B20625}" type="presOf" srcId="{F5446AE4-7C24-4065-9CB9-8D9A7A79DA4D}" destId="{DCB734AE-0F8C-4F25-8517-09B6E14B9535}" srcOrd="0" destOrd="1" presId="urn:microsoft.com/office/officeart/2005/8/layout/vList6"/>
-    <dgm:cxn modelId="{2F9AB5CA-42C5-B346-BB2C-FE2628265AA2}" type="presOf" srcId="{D2659067-6DF2-401D-B625-37F561B867D6}" destId="{20C76004-DBC3-45E8-A3A1-010351152950}" srcOrd="0" destOrd="0" presId="urn:microsoft.com/office/officeart/2005/8/layout/vList6"/>
-    <dgm:cxn modelId="{22C059B8-042C-4D3C-B63E-3D0A2E058BF1}" srcId="{FA90E620-BFBB-4BDB-828C-E58F39E97AFF}" destId="{9A0C9BA0-C1F9-47F9-885B-8310C1AB5F41}" srcOrd="0" destOrd="0" parTransId="{EA504DA5-85BE-44FF-A571-00E678D508AC}" sibTransId="{6D94CE56-2F1D-4194-917C-1C848D6368B0}"/>
-    <dgm:cxn modelId="{9BBB416B-9FC1-F84E-8120-88FD855C8D41}" type="presOf" srcId="{B202A5E4-C8E0-46E9-BB4D-D8CB269DA483}" destId="{3DB8D15C-8A64-4A33-84A7-5A8721504230}" srcOrd="0" destOrd="0" presId="urn:microsoft.com/office/officeart/2005/8/layout/vList6"/>
-    <dgm:cxn modelId="{96C009EB-EAD8-404B-B032-47782E9798EF}" srcId="{FA90E620-BFBB-4BDB-828C-E58F39E97AFF}" destId="{B202A5E4-C8E0-46E9-BB4D-D8CB269DA483}" srcOrd="4" destOrd="0" parTransId="{2844CAE3-A13B-4871-B47B-9576BE8892A6}" sibTransId="{7991DE46-B177-45D9-B948-3976B92BEA4D}"/>
     <dgm:cxn modelId="{F5AFA8E0-6105-4C0B-9D40-49ADE118B3AA}" srcId="{FA90E620-BFBB-4BDB-828C-E58F39E97AFF}" destId="{B70D7401-F7A5-4097-9337-47A5CC203A9D}" srcOrd="1" destOrd="0" parTransId="{450D0441-4F70-4C9F-8F4A-143CA6BE035C}" sibTransId="{397A1CC0-45C0-4FDA-87B3-AB913B70DB2E}"/>
-    <dgm:cxn modelId="{6BA96E15-658C-6343-9753-EC42F7135BA2}" type="presOf" srcId="{63A9D092-3E2A-4BE1-B932-56DB7FE2FB21}" destId="{19F58EED-DF02-4F07-B8EB-1283B97959E6}" srcOrd="0" destOrd="0" presId="urn:microsoft.com/office/officeart/2005/8/layout/vList6"/>
-    <dgm:cxn modelId="{586E52E8-BA02-46DC-AF2D-6232F2B64638}" srcId="{FA90E620-BFBB-4BDB-828C-E58F39E97AFF}" destId="{EF3D2373-FAE7-4631-88CC-63643E122596}" srcOrd="3" destOrd="0" parTransId="{4DA9A238-E93C-470D-909C-9FA704BC1D97}" sibTransId="{A7259EAC-DD71-415A-9A88-27BEFC9DEE7E}"/>
-    <dgm:cxn modelId="{D6F82C6E-1EC2-A24A-8986-8876282F09DA}" type="presOf" srcId="{3F36DDFD-6FCA-4A10-88FD-3433BC041B02}" destId="{C012DA20-B11A-4615-BF4F-254F924AE97B}" srcOrd="0" destOrd="0" presId="urn:microsoft.com/office/officeart/2005/8/layout/vList6"/>
-    <dgm:cxn modelId="{24FABD4B-68C2-9F46-A8BC-0F9C7433D2E4}" type="presOf" srcId="{AF66246A-B71D-414B-9955-33878D05225C}" destId="{DCB734AE-0F8C-4F25-8517-09B6E14B9535}" srcOrd="0" destOrd="0" presId="urn:microsoft.com/office/officeart/2005/8/layout/vList6"/>
-    <dgm:cxn modelId="{C598A8F2-C58F-4B0E-BD8E-1B42166A78D7}" srcId="{B202A5E4-C8E0-46E9-BB4D-D8CB269DA483}" destId="{AF66246A-B71D-414B-9955-33878D05225C}" srcOrd="0" destOrd="0" parTransId="{99F3E5ED-4982-482D-92CA-EE147261A338}" sibTransId="{D7B78468-20FB-474B-81EB-DA35090AF35E}"/>
-    <dgm:cxn modelId="{5D6288DE-F0D7-8640-906C-14EAC6701C71}" type="presOf" srcId="{72C38BED-815A-4291-A41D-C46B6D4E7AC7}" destId="{435716E5-D3FF-4E26-AAE8-AC9439D8C238}" srcOrd="0" destOrd="0" presId="urn:microsoft.com/office/officeart/2005/8/layout/vList6"/>
-    <dgm:cxn modelId="{39776E6A-9EB0-1740-85BD-0FD9A57407C7}" type="presOf" srcId="{CD7C4146-F4B6-4994-B8F9-F46C0E35C1A0}" destId="{19F58EED-DF02-4F07-B8EB-1283B97959E6}" srcOrd="0" destOrd="1" presId="urn:microsoft.com/office/officeart/2005/8/layout/vList6"/>
-    <dgm:cxn modelId="{F1F67D35-5A7C-431A-A3CB-F3B50637E1CA}" srcId="{9A0C9BA0-C1F9-47F9-885B-8310C1AB5F41}" destId="{C5EEAED4-051F-43A9-8379-91A7491EA5AC}" srcOrd="1" destOrd="0" parTransId="{654536CF-E661-4403-BC5E-65CF88A92DF6}" sibTransId="{67DEBD24-1E97-4124-920E-7D4637BE051E}"/>
     <dgm:cxn modelId="{E87958C9-A698-6F41-B71C-9BC6000C21CA}" type="presOf" srcId="{B70D7401-F7A5-4097-9337-47A5CC203A9D}" destId="{E92B88D3-6BF3-4214-8041-533C048D3032}" srcOrd="0" destOrd="0" presId="urn:microsoft.com/office/officeart/2005/8/layout/vList6"/>
     <dgm:cxn modelId="{582D71B7-EDF8-4EBF-8663-1AAFD4859A3A}" srcId="{D2659067-6DF2-401D-B625-37F561B867D6}" destId="{D28BDA6F-21CA-4634-A9AD-39C084BC03E6}" srcOrd="0" destOrd="0" parTransId="{C8BA5DCC-7B5A-43CA-916D-7382FA1E041A}" sibTransId="{57050376-E493-46B9-9297-DA68659256C1}"/>
-    <dgm:cxn modelId="{DDF2B492-223B-0E46-B6B9-12B96C927DE8}" type="presOf" srcId="{D28BDA6F-21CA-4634-A9AD-39C084BC03E6}" destId="{E31E5032-D160-490E-BF4A-C71ECBF9BBEC}" srcOrd="0" destOrd="0" presId="urn:microsoft.com/office/officeart/2005/8/layout/vList6"/>
+    <dgm:cxn modelId="{0CCE6DB0-0D68-402E-BB43-CE0FF499F779}" srcId="{D2659067-6DF2-401D-B625-37F561B867D6}" destId="{6D476E5A-5630-4CDA-8FE6-DA9F7273A731}" srcOrd="1" destOrd="0" parTransId="{E8701768-EE93-451F-8895-8961A1EB7FFE}" sibTransId="{9721AF67-5BF4-4446-9308-55A94563C7DA}"/>
     <dgm:cxn modelId="{530C5FD7-BC5A-4AF4-9837-7845D65BDBB2}" srcId="{B70D7401-F7A5-4097-9337-47A5CC203A9D}" destId="{72C38BED-815A-4291-A41D-C46B6D4E7AC7}" srcOrd="0" destOrd="0" parTransId="{6A4EB70F-8B06-4A9A-844C-4C7406287167}" sibTransId="{96E013CB-9CD5-4D52-810E-2F071ADDF21E}"/>
     <dgm:cxn modelId="{0C0D62E2-880A-4988-82BA-87C03364EC3A}" srcId="{B70D7401-F7A5-4097-9337-47A5CC203A9D}" destId="{01BE3B93-DD6F-40B7-A90C-BE9171E54792}" srcOrd="1" destOrd="0" parTransId="{E18E2A98-E8AF-4EF8-BCB8-480E1A536CB5}" sibTransId="{741FEC7B-F00D-48C2-93B3-15CA5627B762}"/>
-    <dgm:cxn modelId="{908BC788-F3B7-45BA-8787-A5398EF996B7}" srcId="{EF3D2373-FAE7-4631-88CC-63643E122596}" destId="{63A9D092-3E2A-4BE1-B932-56DB7FE2FB21}" srcOrd="0" destOrd="0" parTransId="{938E7FA4-9148-49DB-B822-DA50750935CC}" sibTransId="{DE521FFB-80AE-4FB7-8093-D288C9F29F22}"/>
+    <dgm:cxn modelId="{586E52E8-BA02-46DC-AF2D-6232F2B64638}" srcId="{FA90E620-BFBB-4BDB-828C-E58F39E97AFF}" destId="{EF3D2373-FAE7-4631-88CC-63643E122596}" srcOrd="3" destOrd="0" parTransId="{4DA9A238-E93C-470D-909C-9FA704BC1D97}" sibTransId="{A7259EAC-DD71-415A-9A88-27BEFC9DEE7E}"/>
     <dgm:cxn modelId="{C19FF6FE-E301-E04B-9FF3-0BA7DF2AB706}" type="presOf" srcId="{01BE3B93-DD6F-40B7-A90C-BE9171E54792}" destId="{435716E5-D3FF-4E26-AAE8-AC9439D8C238}" srcOrd="0" destOrd="1" presId="urn:microsoft.com/office/officeart/2005/8/layout/vList6"/>
-    <dgm:cxn modelId="{5F224DE9-152C-B442-8FB1-607CEDF2496F}" type="presOf" srcId="{EF3D2373-FAE7-4631-88CC-63643E122596}" destId="{7EFA0BD4-3154-4B40-9409-492F88C3F4A8}" srcOrd="0" destOrd="0" presId="urn:microsoft.com/office/officeart/2005/8/layout/vList6"/>
+    <dgm:cxn modelId="{56334C39-066E-764A-AE18-4DD52337BFF9}" type="presOf" srcId="{9A0C9BA0-C1F9-47F9-885B-8310C1AB5F41}" destId="{7052E4F3-5EE7-449C-A96E-8E64DDF03D02}" srcOrd="0" destOrd="0" presId="urn:microsoft.com/office/officeart/2005/8/layout/vList6"/>
+    <dgm:cxn modelId="{DDF2B492-223B-0E46-B6B9-12B96C927DE8}" type="presOf" srcId="{D28BDA6F-21CA-4634-A9AD-39C084BC03E6}" destId="{E31E5032-D160-490E-BF4A-C71ECBF9BBEC}" srcOrd="0" destOrd="0" presId="urn:microsoft.com/office/officeart/2005/8/layout/vList6"/>
+    <dgm:cxn modelId="{5ACAB01E-3610-2946-A243-BFA519D1166A}" type="presOf" srcId="{6D476E5A-5630-4CDA-8FE6-DA9F7273A731}" destId="{E31E5032-D160-490E-BF4A-C71ECBF9BBEC}" srcOrd="0" destOrd="1" presId="urn:microsoft.com/office/officeart/2005/8/layout/vList6"/>
+    <dgm:cxn modelId="{5D6288DE-F0D7-8640-906C-14EAC6701C71}" type="presOf" srcId="{72C38BED-815A-4291-A41D-C46B6D4E7AC7}" destId="{435716E5-D3FF-4E26-AAE8-AC9439D8C238}" srcOrd="0" destOrd="0" presId="urn:microsoft.com/office/officeart/2005/8/layout/vList6"/>
+    <dgm:cxn modelId="{96C009EB-EAD8-404B-B032-47782E9798EF}" srcId="{FA90E620-BFBB-4BDB-828C-E58F39E97AFF}" destId="{B202A5E4-C8E0-46E9-BB4D-D8CB269DA483}" srcOrd="4" destOrd="0" parTransId="{2844CAE3-A13B-4871-B47B-9576BE8892A6}" sibTransId="{7991DE46-B177-45D9-B948-3976B92BEA4D}"/>
+    <dgm:cxn modelId="{DB84C06C-A247-46F0-A508-414C2121C19A}" srcId="{B202A5E4-C8E0-46E9-BB4D-D8CB269DA483}" destId="{F5446AE4-7C24-4065-9CB9-8D9A7A79DA4D}" srcOrd="1" destOrd="0" parTransId="{67F58C06-2388-42DB-BD02-AB9A99D1E850}" sibTransId="{74C6A979-6A5D-4D6A-81CE-04F79E83F5FF}"/>
     <dgm:cxn modelId="{77FE26B0-340B-E84D-840B-C6D36D94DDE6}" type="presParOf" srcId="{DE140E2E-CB55-470F-86AF-4D4C092E8997}" destId="{B5049DB2-71BC-4A8E-9757-600FE28A8ADC}" srcOrd="0" destOrd="0" presId="urn:microsoft.com/office/officeart/2005/8/layout/vList6"/>
     <dgm:cxn modelId="{A5FDAE24-BF67-444F-B2FF-6EB5F8CFA782}" type="presParOf" srcId="{B5049DB2-71BC-4A8E-9757-600FE28A8ADC}" destId="{7052E4F3-5EE7-449C-A96E-8E64DDF03D02}" srcOrd="0" destOrd="0" presId="urn:microsoft.com/office/officeart/2005/8/layout/vList6"/>
     <dgm:cxn modelId="{D8E47872-69B5-6949-921D-F282688A9EE2}" type="presParOf" srcId="{B5049DB2-71BC-4A8E-9757-600FE28A8ADC}" destId="{C012DA20-B11A-4615-BF4F-254F924AE97B}" srcOrd="1" destOrd="0" presId="urn:microsoft.com/office/officeart/2005/8/layout/vList6"/>
@@ -4000,7 +4001,7 @@
           <a:p>
             <a:fld id="{39103F27-E4DA-C942-B1B9-155C444C0CF5}" type="datetimeFigureOut">
               <a:rPr lang="en-US" smtClean="0"/>
-              <a:t>7/12/18</a:t>
+              <a:t>7/16/18</a:t>
             </a:fld>
             <a:endParaRPr lang="en-US"/>
           </a:p>
@@ -4338,7 +4339,7 @@
                 </a:solidFill>
               </a:rPr>
               <a:pPr/>
-              <a:t>7/12/18</a:t>
+              <a:t>7/16/18</a:t>
             </a:fld>
             <a:endParaRPr lang="en-US" dirty="0">
               <a:solidFill>
@@ -4370,7 +4371,7 @@
                 </a:solidFill>
               </a:rPr>
               <a:pPr/>
-              <a:t>2</a:t>
+              <a:t>4</a:t>
             </a:fld>
             <a:endParaRPr lang="en-US" dirty="0">
               <a:solidFill>
@@ -5010,7 +5011,7 @@
                 </a:solidFill>
               </a:rPr>
               <a:pPr/>
-              <a:t>7/12/18 10:23 AM</a:t>
+              <a:t>7/16/18 7:02 AM</a:t>
             </a:fld>
             <a:endParaRPr lang="en-US" dirty="0">
               <a:solidFill>
@@ -5042,7 +5043,7 @@
                 </a:solidFill>
               </a:rPr>
               <a:pPr/>
-              <a:t>4</a:t>
+              <a:t>6</a:t>
             </a:fld>
             <a:endParaRPr lang="en-US" dirty="0">
               <a:solidFill>
@@ -5177,7 +5178,7 @@
                 <a:tabLst/>
                 <a:defRPr/>
               </a:pPr>
-              <a:t>5</a:t>
+              <a:t>7</a:t>
             </a:fld>
             <a:endParaRPr kumimoji="0" lang="en-US" sz="1200" b="0" i="0" u="none" strike="noStrike" kern="1200" cap="none" spc="0" normalizeH="0" baseline="0" noProof="0">
               <a:ln>
@@ -5333,7 +5334,7 @@
                 </a:solidFill>
               </a:rPr>
               <a:pPr/>
-              <a:t>7/12/18</a:t>
+              <a:t>7/16/18</a:t>
             </a:fld>
             <a:endParaRPr lang="en-US" dirty="0">
               <a:solidFill>
@@ -5365,7 +5366,7 @@
                 </a:solidFill>
               </a:rPr>
               <a:pPr/>
-              <a:t>6</a:t>
+              <a:t>8</a:t>
             </a:fld>
             <a:endParaRPr lang="en-US" dirty="0">
               <a:solidFill>
@@ -5461,7 +5462,7 @@
           <a:p>
             <a:fld id="{81EBB3E9-BC4E-4DFC-8E11-430864F3D5ED}" type="slidenum">
               <a:rPr lang="en-US" smtClean="0"/>
-              <a:t>7</a:t>
+              <a:t>9</a:t>
             </a:fld>
             <a:endParaRPr lang="en-US"/>
           </a:p>
@@ -5551,7 +5552,7 @@
               <a:pPr>
                 <a:defRPr/>
               </a:pPr>
-              <a:t>8</a:t>
+              <a:t>10</a:t>
             </a:fld>
             <a:endParaRPr lang="en-US"/>
           </a:p>
@@ -5641,7 +5642,7 @@
               <a:pPr>
                 <a:defRPr/>
               </a:pPr>
-              <a:t>9</a:t>
+              <a:t>11</a:t>
             </a:fld>
             <a:endParaRPr lang="en-US"/>
           </a:p>
@@ -5784,7 +5785,7 @@
                 </a:solidFill>
               </a:rPr>
               <a:pPr/>
-              <a:t>7/12/18</a:t>
+              <a:t>7/16/18</a:t>
             </a:fld>
             <a:endParaRPr lang="en-US" dirty="0">
               <a:solidFill>
@@ -5816,7 +5817,7 @@
                 </a:solidFill>
               </a:rPr>
               <a:pPr/>
-              <a:t>12</a:t>
+              <a:t>14</a:t>
             </a:fld>
             <a:endParaRPr lang="en-US" dirty="0">
               <a:solidFill>
@@ -6047,7 +6048,7 @@
           <a:p>
             <a:fld id="{36EBC6DD-7247-8948-8D35-403BD7E45492}" type="datetimeFigureOut">
               <a:rPr lang="en-US" smtClean="0"/>
-              <a:t>7/12/18</a:t>
+              <a:t>7/16/18</a:t>
             </a:fld>
             <a:endParaRPr lang="en-US"/>
           </a:p>
@@ -6217,7 +6218,7 @@
           <a:p>
             <a:fld id="{36EBC6DD-7247-8948-8D35-403BD7E45492}" type="datetimeFigureOut">
               <a:rPr lang="en-US" smtClean="0"/>
-              <a:t>7/12/18</a:t>
+              <a:t>7/16/18</a:t>
             </a:fld>
             <a:endParaRPr lang="en-US"/>
           </a:p>
@@ -6397,7 +6398,7 @@
           <a:p>
             <a:fld id="{36EBC6DD-7247-8948-8D35-403BD7E45492}" type="datetimeFigureOut">
               <a:rPr lang="en-US" smtClean="0"/>
-              <a:t>7/12/18</a:t>
+              <a:t>7/16/18</a:t>
             </a:fld>
             <a:endParaRPr lang="en-US"/>
           </a:p>
@@ -6567,7 +6568,7 @@
           <a:p>
             <a:fld id="{36EBC6DD-7247-8948-8D35-403BD7E45492}" type="datetimeFigureOut">
               <a:rPr lang="en-US" smtClean="0"/>
-              <a:t>7/12/18</a:t>
+              <a:t>7/16/18</a:t>
             </a:fld>
             <a:endParaRPr lang="en-US"/>
           </a:p>
@@ -6813,7 +6814,7 @@
           <a:p>
             <a:fld id="{36EBC6DD-7247-8948-8D35-403BD7E45492}" type="datetimeFigureOut">
               <a:rPr lang="en-US" smtClean="0"/>
-              <a:t>7/12/18</a:t>
+              <a:t>7/16/18</a:t>
             </a:fld>
             <a:endParaRPr lang="en-US"/>
           </a:p>
@@ -7045,7 +7046,7 @@
           <a:p>
             <a:fld id="{36EBC6DD-7247-8948-8D35-403BD7E45492}" type="datetimeFigureOut">
               <a:rPr lang="en-US" smtClean="0"/>
-              <a:t>7/12/18</a:t>
+              <a:t>7/16/18</a:t>
             </a:fld>
             <a:endParaRPr lang="en-US"/>
           </a:p>
@@ -7412,7 +7413,7 @@
           <a:p>
             <a:fld id="{36EBC6DD-7247-8948-8D35-403BD7E45492}" type="datetimeFigureOut">
               <a:rPr lang="en-US" smtClean="0"/>
-              <a:t>7/12/18</a:t>
+              <a:t>7/16/18</a:t>
             </a:fld>
             <a:endParaRPr lang="en-US"/>
           </a:p>
@@ -7530,7 +7531,7 @@
           <a:p>
             <a:fld id="{36EBC6DD-7247-8948-8D35-403BD7E45492}" type="datetimeFigureOut">
               <a:rPr lang="en-US" smtClean="0"/>
-              <a:t>7/12/18</a:t>
+              <a:t>7/16/18</a:t>
             </a:fld>
             <a:endParaRPr lang="en-US"/>
           </a:p>
@@ -7625,7 +7626,7 @@
           <a:p>
             <a:fld id="{36EBC6DD-7247-8948-8D35-403BD7E45492}" type="datetimeFigureOut">
               <a:rPr lang="en-US" smtClean="0"/>
-              <a:t>7/12/18</a:t>
+              <a:t>7/16/18</a:t>
             </a:fld>
             <a:endParaRPr lang="en-US"/>
           </a:p>
@@ -7902,7 +7903,7 @@
           <a:p>
             <a:fld id="{36EBC6DD-7247-8948-8D35-403BD7E45492}" type="datetimeFigureOut">
               <a:rPr lang="en-US" smtClean="0"/>
-              <a:t>7/12/18</a:t>
+              <a:t>7/16/18</a:t>
             </a:fld>
             <a:endParaRPr lang="en-US"/>
           </a:p>
@@ -8155,7 +8156,7 @@
           <a:p>
             <a:fld id="{36EBC6DD-7247-8948-8D35-403BD7E45492}" type="datetimeFigureOut">
               <a:rPr lang="en-US" smtClean="0"/>
-              <a:t>7/12/18</a:t>
+              <a:t>7/16/18</a:t>
             </a:fld>
             <a:endParaRPr lang="en-US"/>
           </a:p>
@@ -8368,7 +8369,7 @@
           <a:p>
             <a:fld id="{36EBC6DD-7247-8948-8D35-403BD7E45492}" type="datetimeFigureOut">
               <a:rPr lang="en-US" smtClean="0"/>
-              <a:t>7/12/18</a:t>
+              <a:t>7/16/18</a:t>
             </a:fld>
             <a:endParaRPr lang="en-US"/>
           </a:p>
@@ -8781,8 +8782,8 @@
         </p:nvSpPr>
         <p:spPr>
           <a:xfrm>
-            <a:off x="700684" y="2419875"/>
-            <a:ext cx="11195502" cy="1938992"/>
+            <a:off x="514936" y="2419875"/>
+            <a:ext cx="11567013" cy="2308324"/>
           </a:xfrm>
           <a:prstGeom prst="rect">
             <a:avLst/>
@@ -8797,16 +8798,39 @@
             <a:pPr algn="ctr"/>
             <a:r>
               <a:rPr lang="en-US" sz="6000" b="1" dirty="0" smtClean="0"/>
-              <a:t>In your table groups, discuss what </a:t>
-            </a:r>
-          </a:p>
-          <a:p>
-            <a:pPr algn="ctr"/>
-            <a:r>
-              <a:rPr lang="en-US" sz="6000" b="1" dirty="0" smtClean="0"/>
-              <a:t>DevOps means to you</a:t>
-            </a:r>
-            <a:endParaRPr lang="en-US" sz="6000" b="1" dirty="0"/>
+              <a:t>How do you want the course to go?</a:t>
+            </a:r>
+          </a:p>
+          <a:p>
+            <a:pPr marL="514350" indent="-514350">
+              <a:buFont typeface="+mj-lt"/>
+              <a:buAutoNum type="arabicPeriod"/>
+            </a:pPr>
+            <a:r>
+              <a:rPr lang="en-US" sz="2800" b="1" dirty="0" smtClean="0"/>
+              <a:t>Focus on culture?</a:t>
+            </a:r>
+          </a:p>
+          <a:p>
+            <a:pPr marL="514350" indent="-514350">
+              <a:buFont typeface="+mj-lt"/>
+              <a:buAutoNum type="arabicPeriod"/>
+            </a:pPr>
+            <a:r>
+              <a:rPr lang="en-US" sz="2800" b="1" dirty="0" smtClean="0"/>
+              <a:t>Focus on process?</a:t>
+            </a:r>
+          </a:p>
+          <a:p>
+            <a:pPr marL="514350" indent="-514350">
+              <a:buFont typeface="+mj-lt"/>
+              <a:buAutoNum type="arabicPeriod"/>
+            </a:pPr>
+            <a:r>
+              <a:rPr lang="en-US" sz="2800" b="1" dirty="0" smtClean="0"/>
+              <a:t>Focus on technology?</a:t>
+            </a:r>
+            <a:endParaRPr lang="en-US" sz="2800" b="1" dirty="0"/>
           </a:p>
         </p:txBody>
       </p:sp>
@@ -8824,6 +8848,706 @@
 </file>
 
 <file path=ppt/slides/slide10.xml><?xml version="1.0" encoding="utf-8"?>
+<p:sld xmlns:a="http://schemas.openxmlformats.org/drawingml/2006/main" xmlns:r="http://schemas.openxmlformats.org/officeDocument/2006/relationships" xmlns:p="http://schemas.openxmlformats.org/presentationml/2006/main">
+  <p:cSld>
+    <p:spTree>
+      <p:nvGrpSpPr>
+        <p:cNvPr id="1" name=""/>
+        <p:cNvGrpSpPr/>
+        <p:nvPr/>
+      </p:nvGrpSpPr>
+      <p:grpSpPr>
+        <a:xfrm>
+          <a:off x="0" y="0"/>
+          <a:ext cx="0" cy="0"/>
+          <a:chOff x="0" y="0"/>
+          <a:chExt cx="0" cy="0"/>
+        </a:xfrm>
+      </p:grpSpPr>
+      <p:sp>
+        <p:nvSpPr>
+          <p:cNvPr id="2" name="Title 1"/>
+          <p:cNvSpPr>
+            <a:spLocks noGrp="1"/>
+          </p:cNvSpPr>
+          <p:nvPr>
+            <p:ph type="title"/>
+          </p:nvPr>
+        </p:nvSpPr>
+        <p:spPr/>
+        <p:txBody>
+          <a:bodyPr/>
+          <a:lstStyle/>
+          <a:p>
+            <a:r>
+              <a:rPr lang="en-CA" dirty="0"/>
+              <a:t>Introducing the “Three Ways”</a:t>
+            </a:r>
+          </a:p>
+        </p:txBody>
+      </p:sp>
+      <p:sp>
+        <p:nvSpPr>
+          <p:cNvPr id="3" name="Arrow: Down 2"/>
+          <p:cNvSpPr/>
+          <p:nvPr/>
+        </p:nvSpPr>
+        <p:spPr>
+          <a:xfrm>
+            <a:off x="1833385" y="2050955"/>
+            <a:ext cx="979714" cy="2506007"/>
+          </a:xfrm>
+          <a:prstGeom prst="downArrow">
+            <a:avLst>
+              <a:gd name="adj1" fmla="val 50000"/>
+              <a:gd name="adj2" fmla="val 57368"/>
+            </a:avLst>
+          </a:prstGeom>
+          <a:solidFill>
+            <a:srgbClr val="1D4999"/>
+          </a:solidFill>
+          <a:ln>
+            <a:solidFill>
+              <a:srgbClr val="1D4999"/>
+            </a:solidFill>
+          </a:ln>
+        </p:spPr>
+        <p:style>
+          <a:lnRef idx="2">
+            <a:schemeClr val="accent1">
+              <a:shade val="50000"/>
+            </a:schemeClr>
+          </a:lnRef>
+          <a:fillRef idx="1">
+            <a:schemeClr val="accent1"/>
+          </a:fillRef>
+          <a:effectRef idx="0">
+            <a:schemeClr val="accent1"/>
+          </a:effectRef>
+          <a:fontRef idx="minor">
+            <a:schemeClr val="lt1"/>
+          </a:fontRef>
+        </p:style>
+        <p:txBody>
+          <a:bodyPr vert="vert270" rtlCol="0" anchor="ctr"/>
+          <a:lstStyle/>
+          <a:p>
+            <a:pPr algn="ctr"/>
+            <a:r>
+              <a:rPr lang="en-CA" dirty="0"/>
+              <a:t>Increasing Maturity in DevOps</a:t>
+            </a:r>
+          </a:p>
+        </p:txBody>
+      </p:sp>
+      <p:sp>
+        <p:nvSpPr>
+          <p:cNvPr id="4" name="Rectangle 3"/>
+          <p:cNvSpPr/>
+          <p:nvPr/>
+        </p:nvSpPr>
+        <p:spPr>
+          <a:xfrm>
+            <a:off x="2895600" y="2025173"/>
+            <a:ext cx="1981200" cy="799241"/>
+          </a:xfrm>
+          <a:prstGeom prst="rect">
+            <a:avLst/>
+          </a:prstGeom>
+          <a:solidFill>
+            <a:srgbClr val="1D4999"/>
+          </a:solidFill>
+          <a:ln>
+            <a:solidFill>
+              <a:srgbClr val="1D4999"/>
+            </a:solidFill>
+          </a:ln>
+        </p:spPr>
+        <p:style>
+          <a:lnRef idx="2">
+            <a:schemeClr val="accent1">
+              <a:shade val="50000"/>
+            </a:schemeClr>
+          </a:lnRef>
+          <a:fillRef idx="1">
+            <a:schemeClr val="accent1"/>
+          </a:fillRef>
+          <a:effectRef idx="0">
+            <a:schemeClr val="accent1"/>
+          </a:effectRef>
+          <a:fontRef idx="minor">
+            <a:schemeClr val="lt1"/>
+          </a:fontRef>
+        </p:style>
+        <p:txBody>
+          <a:bodyPr rtlCol="0" anchor="ctr"/>
+          <a:lstStyle/>
+          <a:p>
+            <a:pPr algn="ctr"/>
+            <a:r>
+              <a:rPr lang="en-CA" sz="1600" dirty="0"/>
+              <a:t>Way #1:  System Thinking</a:t>
+            </a:r>
+          </a:p>
+        </p:txBody>
+      </p:sp>
+      <p:sp>
+        <p:nvSpPr>
+          <p:cNvPr id="5" name="Rectangle 4"/>
+          <p:cNvSpPr/>
+          <p:nvPr/>
+        </p:nvSpPr>
+        <p:spPr>
+          <a:xfrm>
+            <a:off x="2895600" y="2891447"/>
+            <a:ext cx="1981200" cy="799241"/>
+          </a:xfrm>
+          <a:prstGeom prst="rect">
+            <a:avLst/>
+          </a:prstGeom>
+          <a:solidFill>
+            <a:srgbClr val="1D4999"/>
+          </a:solidFill>
+          <a:ln>
+            <a:solidFill>
+              <a:srgbClr val="1D4999"/>
+            </a:solidFill>
+          </a:ln>
+        </p:spPr>
+        <p:style>
+          <a:lnRef idx="2">
+            <a:schemeClr val="accent1">
+              <a:shade val="50000"/>
+            </a:schemeClr>
+          </a:lnRef>
+          <a:fillRef idx="1">
+            <a:schemeClr val="accent1"/>
+          </a:fillRef>
+          <a:effectRef idx="0">
+            <a:schemeClr val="accent1"/>
+          </a:effectRef>
+          <a:fontRef idx="minor">
+            <a:schemeClr val="lt1"/>
+          </a:fontRef>
+        </p:style>
+        <p:txBody>
+          <a:bodyPr rtlCol="0" anchor="ctr"/>
+          <a:lstStyle/>
+          <a:p>
+            <a:pPr algn="ctr"/>
+            <a:r>
+              <a:rPr lang="en-CA" sz="1600" dirty="0"/>
+              <a:t>Way #2:  Feedback Loops</a:t>
+            </a:r>
+          </a:p>
+        </p:txBody>
+      </p:sp>
+      <p:sp>
+        <p:nvSpPr>
+          <p:cNvPr id="6" name="Rectangle 5"/>
+          <p:cNvSpPr/>
+          <p:nvPr/>
+        </p:nvSpPr>
+        <p:spPr>
+          <a:xfrm>
+            <a:off x="2895600" y="3757721"/>
+            <a:ext cx="1981200" cy="799241"/>
+          </a:xfrm>
+          <a:prstGeom prst="rect">
+            <a:avLst/>
+          </a:prstGeom>
+          <a:solidFill>
+            <a:srgbClr val="1D4999"/>
+          </a:solidFill>
+          <a:ln>
+            <a:solidFill>
+              <a:srgbClr val="1D4999"/>
+            </a:solidFill>
+          </a:ln>
+        </p:spPr>
+        <p:style>
+          <a:lnRef idx="2">
+            <a:schemeClr val="accent1">
+              <a:shade val="50000"/>
+            </a:schemeClr>
+          </a:lnRef>
+          <a:fillRef idx="1">
+            <a:schemeClr val="accent1"/>
+          </a:fillRef>
+          <a:effectRef idx="0">
+            <a:schemeClr val="accent1"/>
+          </a:effectRef>
+          <a:fontRef idx="minor">
+            <a:schemeClr val="lt1"/>
+          </a:fontRef>
+        </p:style>
+        <p:txBody>
+          <a:bodyPr rtlCol="0" anchor="ctr"/>
+          <a:lstStyle/>
+          <a:p>
+            <a:pPr algn="ctr"/>
+            <a:r>
+              <a:rPr lang="en-CA" sz="1600" dirty="0"/>
+              <a:t>Way #3:  Continuous Learning and Experimentation</a:t>
+            </a:r>
+          </a:p>
+        </p:txBody>
+      </p:sp>
+      <p:sp>
+        <p:nvSpPr>
+          <p:cNvPr id="7" name="Rectangle 6"/>
+          <p:cNvSpPr/>
+          <p:nvPr/>
+        </p:nvSpPr>
+        <p:spPr>
+          <a:xfrm>
+            <a:off x="5029201" y="2025173"/>
+            <a:ext cx="3966985" cy="799241"/>
+          </a:xfrm>
+          <a:prstGeom prst="rect">
+            <a:avLst/>
+          </a:prstGeom>
+          <a:solidFill>
+            <a:srgbClr val="1D4999"/>
+          </a:solidFill>
+          <a:ln>
+            <a:solidFill>
+              <a:srgbClr val="1D4999"/>
+            </a:solidFill>
+          </a:ln>
+        </p:spPr>
+        <p:style>
+          <a:lnRef idx="2">
+            <a:schemeClr val="accent1">
+              <a:shade val="50000"/>
+            </a:schemeClr>
+          </a:lnRef>
+          <a:fillRef idx="1">
+            <a:schemeClr val="accent1"/>
+          </a:fillRef>
+          <a:effectRef idx="0">
+            <a:schemeClr val="accent1"/>
+          </a:effectRef>
+          <a:fontRef idx="minor">
+            <a:schemeClr val="lt1"/>
+          </a:fontRef>
+        </p:style>
+        <p:txBody>
+          <a:bodyPr rtlCol="0" anchor="ctr"/>
+          <a:lstStyle/>
+          <a:p>
+            <a:pPr marL="214313" indent="-214313">
+              <a:buFont typeface="Arial" panose="020B0604020202020204" pitchFamily="34" charset="0"/>
+              <a:buChar char="•"/>
+            </a:pPr>
+            <a:r>
+              <a:rPr lang="en-CA" sz="1200" dirty="0"/>
+              <a:t>Focus is on holistic system performance</a:t>
+            </a:r>
+          </a:p>
+          <a:p>
+            <a:pPr marL="214313" indent="-214313">
+              <a:buFont typeface="Arial" panose="020B0604020202020204" pitchFamily="34" charset="0"/>
+              <a:buChar char="•"/>
+            </a:pPr>
+            <a:r>
+              <a:rPr lang="en-CA" sz="1200" dirty="0"/>
+              <a:t>Minimize/eliminate bugs going “downstream”</a:t>
+            </a:r>
+          </a:p>
+          <a:p>
+            <a:pPr marL="214313" indent="-214313">
+              <a:buFont typeface="Arial" panose="020B0604020202020204" pitchFamily="34" charset="0"/>
+              <a:buChar char="•"/>
+            </a:pPr>
+            <a:r>
+              <a:rPr lang="en-CA" sz="1200" dirty="0"/>
+              <a:t>Increase flow of work / eliminate bottlenecks</a:t>
+            </a:r>
+          </a:p>
+        </p:txBody>
+      </p:sp>
+      <p:sp>
+        <p:nvSpPr>
+          <p:cNvPr id="8" name="Rectangle 7"/>
+          <p:cNvSpPr/>
+          <p:nvPr/>
+        </p:nvSpPr>
+        <p:spPr>
+          <a:xfrm>
+            <a:off x="5029201" y="2891447"/>
+            <a:ext cx="3966985" cy="799241"/>
+          </a:xfrm>
+          <a:prstGeom prst="rect">
+            <a:avLst/>
+          </a:prstGeom>
+          <a:solidFill>
+            <a:srgbClr val="1D4999"/>
+          </a:solidFill>
+          <a:ln>
+            <a:solidFill>
+              <a:srgbClr val="1D4999"/>
+            </a:solidFill>
+          </a:ln>
+        </p:spPr>
+        <p:style>
+          <a:lnRef idx="2">
+            <a:schemeClr val="accent1">
+              <a:shade val="50000"/>
+            </a:schemeClr>
+          </a:lnRef>
+          <a:fillRef idx="1">
+            <a:schemeClr val="accent1"/>
+          </a:fillRef>
+          <a:effectRef idx="0">
+            <a:schemeClr val="accent1"/>
+          </a:effectRef>
+          <a:fontRef idx="minor">
+            <a:schemeClr val="lt1"/>
+          </a:fontRef>
+        </p:style>
+        <p:txBody>
+          <a:bodyPr rtlCol="0" anchor="ctr"/>
+          <a:lstStyle/>
+          <a:p>
+            <a:pPr marL="214313" indent="-214313">
+              <a:buFont typeface="Arial" panose="020B0604020202020204" pitchFamily="34" charset="0"/>
+              <a:buChar char="•"/>
+            </a:pPr>
+            <a:r>
+              <a:rPr lang="en-CA" sz="1200" dirty="0"/>
+              <a:t>Get feedback from one </a:t>
+            </a:r>
+            <a:r>
+              <a:rPr lang="en-CA" sz="1200" dirty="0" err="1"/>
+              <a:t>workstream</a:t>
+            </a:r>
+            <a:r>
+              <a:rPr lang="en-CA" sz="1200" dirty="0"/>
+              <a:t> to the next quickly</a:t>
+            </a:r>
+          </a:p>
+          <a:p>
+            <a:pPr marL="214313" indent="-214313">
+              <a:buFont typeface="Arial" panose="020B0604020202020204" pitchFamily="34" charset="0"/>
+              <a:buChar char="•"/>
+            </a:pPr>
+            <a:r>
+              <a:rPr lang="en-CA" sz="1200" dirty="0"/>
+              <a:t>Iterate on feedback and shorten cadence</a:t>
+            </a:r>
+          </a:p>
+          <a:p>
+            <a:pPr marL="214313" indent="-214313">
+              <a:buFont typeface="Arial" panose="020B0604020202020204" pitchFamily="34" charset="0"/>
+              <a:buChar char="•"/>
+            </a:pPr>
+            <a:r>
+              <a:rPr lang="en-CA" sz="1200" dirty="0"/>
+              <a:t>Share knowledge and centralize it</a:t>
+            </a:r>
+          </a:p>
+        </p:txBody>
+      </p:sp>
+      <p:sp>
+        <p:nvSpPr>
+          <p:cNvPr id="9" name="Rectangle 8"/>
+          <p:cNvSpPr/>
+          <p:nvPr/>
+        </p:nvSpPr>
+        <p:spPr>
+          <a:xfrm>
+            <a:off x="5029201" y="3757721"/>
+            <a:ext cx="3966985" cy="799241"/>
+          </a:xfrm>
+          <a:prstGeom prst="rect">
+            <a:avLst/>
+          </a:prstGeom>
+          <a:solidFill>
+            <a:srgbClr val="1D4999"/>
+          </a:solidFill>
+          <a:ln>
+            <a:solidFill>
+              <a:srgbClr val="1D4999"/>
+            </a:solidFill>
+          </a:ln>
+        </p:spPr>
+        <p:style>
+          <a:lnRef idx="2">
+            <a:schemeClr val="accent1">
+              <a:shade val="50000"/>
+            </a:schemeClr>
+          </a:lnRef>
+          <a:fillRef idx="1">
+            <a:schemeClr val="accent1"/>
+          </a:fillRef>
+          <a:effectRef idx="0">
+            <a:schemeClr val="accent1"/>
+          </a:effectRef>
+          <a:fontRef idx="minor">
+            <a:schemeClr val="lt1"/>
+          </a:fontRef>
+        </p:style>
+        <p:txBody>
+          <a:bodyPr rtlCol="0" anchor="ctr"/>
+          <a:lstStyle/>
+          <a:p>
+            <a:pPr marL="214313" indent="-214313">
+              <a:buFont typeface="Arial" panose="020B0604020202020204" pitchFamily="34" charset="0"/>
+              <a:buChar char="•"/>
+            </a:pPr>
+            <a:r>
+              <a:rPr lang="en-CA" sz="1200" dirty="0"/>
+              <a:t>Take risks, try new approaches to solve the business pain</a:t>
+            </a:r>
+          </a:p>
+          <a:p>
+            <a:pPr marL="214313" indent="-214313">
+              <a:buFont typeface="Arial" panose="020B0604020202020204" pitchFamily="34" charset="0"/>
+              <a:buChar char="•"/>
+            </a:pPr>
+            <a:r>
+              <a:rPr lang="en-CA" sz="1200" dirty="0"/>
+              <a:t>Allocate time for introspection (what could have been done better today?)</a:t>
+            </a:r>
+          </a:p>
+          <a:p>
+            <a:pPr marL="214313" indent="-214313">
+              <a:buFont typeface="Arial" panose="020B0604020202020204" pitchFamily="34" charset="0"/>
+              <a:buChar char="•"/>
+            </a:pPr>
+            <a:r>
+              <a:rPr lang="en-CA" sz="1200" dirty="0"/>
+              <a:t>Celebrate failure as an opportunity to learn</a:t>
+            </a:r>
+          </a:p>
+        </p:txBody>
+      </p:sp>
+      <p:sp>
+        <p:nvSpPr>
+          <p:cNvPr id="10" name="Arrow: Down 9"/>
+          <p:cNvSpPr/>
+          <p:nvPr/>
+        </p:nvSpPr>
+        <p:spPr>
+          <a:xfrm>
+            <a:off x="9078686" y="2050955"/>
+            <a:ext cx="979714" cy="2506007"/>
+          </a:xfrm>
+          <a:prstGeom prst="downArrow">
+            <a:avLst>
+              <a:gd name="adj1" fmla="val 50000"/>
+              <a:gd name="adj2" fmla="val 57368"/>
+            </a:avLst>
+          </a:prstGeom>
+          <a:solidFill>
+            <a:srgbClr val="1D4999"/>
+          </a:solidFill>
+          <a:ln>
+            <a:solidFill>
+              <a:srgbClr val="1D4999"/>
+            </a:solidFill>
+          </a:ln>
+        </p:spPr>
+        <p:style>
+          <a:lnRef idx="2">
+            <a:schemeClr val="accent1">
+              <a:shade val="50000"/>
+            </a:schemeClr>
+          </a:lnRef>
+          <a:fillRef idx="1">
+            <a:schemeClr val="accent1"/>
+          </a:fillRef>
+          <a:effectRef idx="0">
+            <a:schemeClr val="accent1"/>
+          </a:effectRef>
+          <a:fontRef idx="minor">
+            <a:schemeClr val="lt1"/>
+          </a:fontRef>
+        </p:style>
+        <p:txBody>
+          <a:bodyPr vert="vert270" rtlCol="0" anchor="ctr"/>
+          <a:lstStyle/>
+          <a:p>
+            <a:pPr algn="ctr"/>
+            <a:r>
+              <a:rPr lang="en-CA" dirty="0"/>
+              <a:t>Decreased time to business value</a:t>
+            </a:r>
+          </a:p>
+        </p:txBody>
+      </p:sp>
+    </p:spTree>
+    <p:extLst>
+      <p:ext uri="{BB962C8B-B14F-4D97-AF65-F5344CB8AC3E}">
+        <p14:creationId xmlns:p14="http://schemas.microsoft.com/office/powerpoint/2010/main" val="1275535058"/>
+      </p:ext>
+    </p:extLst>
+  </p:cSld>
+  <p:clrMapOvr>
+    <a:masterClrMapping/>
+  </p:clrMapOvr>
+  <mc:AlternateContent xmlns:mc="http://schemas.openxmlformats.org/markup-compatibility/2006" xmlns:p14="http://schemas.microsoft.com/office/powerpoint/2010/main">
+    <mc:Choice Requires="p14">
+      <p:transition spd="med" p14:dur="700">
+        <p:fade/>
+      </p:transition>
+    </mc:Choice>
+    <mc:Fallback xmlns="">
+      <p:transition spd="med">
+        <p:fade/>
+      </p:transition>
+    </mc:Fallback>
+  </mc:AlternateContent>
+</p:sld>
+</file>
+
+<file path=ppt/slides/slide11.xml><?xml version="1.0" encoding="utf-8"?>
+<p:sld xmlns:a="http://schemas.openxmlformats.org/drawingml/2006/main" xmlns:r="http://schemas.openxmlformats.org/officeDocument/2006/relationships" xmlns:p="http://schemas.openxmlformats.org/presentationml/2006/main">
+  <p:cSld>
+    <p:spTree>
+      <p:nvGrpSpPr>
+        <p:cNvPr id="1" name=""/>
+        <p:cNvGrpSpPr/>
+        <p:nvPr/>
+      </p:nvGrpSpPr>
+      <p:grpSpPr>
+        <a:xfrm>
+          <a:off x="0" y="0"/>
+          <a:ext cx="0" cy="0"/>
+          <a:chOff x="0" y="0"/>
+          <a:chExt cx="0" cy="0"/>
+        </a:xfrm>
+      </p:grpSpPr>
+      <p:sp>
+        <p:nvSpPr>
+          <p:cNvPr id="12" name="Rectangle: Rounded Corners 14"/>
+          <p:cNvSpPr/>
+          <p:nvPr/>
+        </p:nvSpPr>
+        <p:spPr>
+          <a:xfrm>
+            <a:off x="377192" y="1828799"/>
+            <a:ext cx="11584958" cy="2683241"/>
+          </a:xfrm>
+          <a:prstGeom prst="roundRect">
+            <a:avLst>
+              <a:gd name="adj" fmla="val 7757"/>
+            </a:avLst>
+          </a:prstGeom>
+          <a:noFill/>
+          <a:ln>
+            <a:solidFill>
+              <a:srgbClr val="1D4999"/>
+            </a:solidFill>
+          </a:ln>
+        </p:spPr>
+        <p:style>
+          <a:lnRef idx="2">
+            <a:schemeClr val="accent1">
+              <a:shade val="50000"/>
+            </a:schemeClr>
+          </a:lnRef>
+          <a:fillRef idx="1">
+            <a:schemeClr val="accent1"/>
+          </a:fillRef>
+          <a:effectRef idx="0">
+            <a:schemeClr val="accent1"/>
+          </a:effectRef>
+          <a:fontRef idx="minor">
+            <a:schemeClr val="lt1"/>
+          </a:fontRef>
+        </p:style>
+        <p:txBody>
+          <a:bodyPr rtlCol="0" anchor="t"/>
+          <a:lstStyle/>
+          <a:p>
+            <a:r>
+              <a:rPr lang="en-CA" sz="2400" b="1" dirty="0">
+                <a:solidFill>
+                  <a:schemeClr val="tx1"/>
+                </a:solidFill>
+              </a:rPr>
+              <a:t>How do you know you’ve mastered the First Way?</a:t>
+            </a:r>
+          </a:p>
+          <a:p>
+            <a:endParaRPr lang="en-CA" sz="2400" b="1" dirty="0">
+              <a:solidFill>
+                <a:schemeClr val="tx1"/>
+              </a:solidFill>
+            </a:endParaRPr>
+          </a:p>
+          <a:p>
+            <a:pPr marL="257175" indent="-257175">
+              <a:buFont typeface="+mj-lt"/>
+              <a:buAutoNum type="arabicPeriod"/>
+            </a:pPr>
+            <a:r>
+              <a:rPr lang="en-CA" sz="2400" dirty="0">
+                <a:solidFill>
+                  <a:schemeClr val="tx1"/>
+                </a:solidFill>
+              </a:rPr>
+              <a:t>You have identified bottlenecks in your process that inhibits work from getting done and have fixed this.</a:t>
+            </a:r>
+          </a:p>
+          <a:p>
+            <a:pPr marL="257175" indent="-257175">
+              <a:buFont typeface="+mj-lt"/>
+              <a:buAutoNum type="arabicPeriod"/>
+            </a:pPr>
+            <a:r>
+              <a:rPr lang="en-CA" sz="2400" dirty="0">
+                <a:solidFill>
+                  <a:schemeClr val="tx1"/>
+                </a:solidFill>
+              </a:rPr>
+              <a:t>Your product quality is starting to trend upwards</a:t>
+            </a:r>
+          </a:p>
+          <a:p>
+            <a:pPr marL="257175" indent="-257175">
+              <a:buFont typeface="+mj-lt"/>
+              <a:buAutoNum type="arabicPeriod"/>
+            </a:pPr>
+            <a:r>
+              <a:rPr lang="en-CA" sz="2400" dirty="0">
+                <a:solidFill>
+                  <a:schemeClr val="tx1"/>
+                </a:solidFill>
+              </a:rPr>
+              <a:t>Your teams are starting to collaborate more organically.</a:t>
+            </a:r>
+          </a:p>
+        </p:txBody>
+      </p:sp>
+    </p:spTree>
+    <p:extLst>
+      <p:ext uri="{BB962C8B-B14F-4D97-AF65-F5344CB8AC3E}">
+        <p14:creationId xmlns:p14="http://schemas.microsoft.com/office/powerpoint/2010/main" val="346461542"/>
+      </p:ext>
+    </p:extLst>
+  </p:cSld>
+  <p:clrMapOvr>
+    <a:masterClrMapping/>
+  </p:clrMapOvr>
+  <mc:AlternateContent xmlns:mc="http://schemas.openxmlformats.org/markup-compatibility/2006" xmlns:p14="http://schemas.microsoft.com/office/powerpoint/2010/main">
+    <mc:Choice Requires="p14">
+      <p:transition spd="med" p14:dur="700">
+        <p:fade/>
+      </p:transition>
+    </mc:Choice>
+    <mc:Fallback xmlns="">
+      <p:transition spd="med">
+        <p:fade/>
+      </p:transition>
+    </mc:Fallback>
+  </mc:AlternateContent>
+</p:sld>
+</file>
+
+<file path=ppt/slides/slide12.xml><?xml version="1.0" encoding="utf-8"?>
 <p:sld xmlns:a="http://schemas.openxmlformats.org/drawingml/2006/main" xmlns:r="http://schemas.openxmlformats.org/officeDocument/2006/relationships" xmlns:p="http://schemas.openxmlformats.org/presentationml/2006/main">
   <p:cSld>
     <p:spTree>
@@ -8963,7 +9687,7 @@
 </p:sld>
 </file>
 
-<file path=ppt/slides/slide11.xml><?xml version="1.0" encoding="utf-8"?>
+<file path=ppt/slides/slide13.xml><?xml version="1.0" encoding="utf-8"?>
 <p:sld xmlns:a="http://schemas.openxmlformats.org/drawingml/2006/main" xmlns:r="http://schemas.openxmlformats.org/officeDocument/2006/relationships" xmlns:p="http://schemas.openxmlformats.org/presentationml/2006/main">
   <p:cSld>
     <p:spTree>
@@ -9110,7 +9834,7 @@
 </p:sld>
 </file>
 
-<file path=ppt/slides/slide12.xml><?xml version="1.0" encoding="utf-8"?>
+<file path=ppt/slides/slide14.xml><?xml version="1.0" encoding="utf-8"?>
 <p:sld xmlns:a="http://schemas.openxmlformats.org/drawingml/2006/main" xmlns:r="http://schemas.openxmlformats.org/officeDocument/2006/relationships" xmlns:p="http://schemas.openxmlformats.org/presentationml/2006/main">
   <p:cSld>
     <p:spTree>
@@ -9148,10 +9872,10 @@
           <a:lstStyle/>
           <a:p>
             <a:r>
-              <a:rPr lang="en-US" dirty="0" smtClean="0"/>
+              <a:rPr lang="en-US" b="1" dirty="0" smtClean="0"/>
               <a:t>In your table groups, discuss how your group lives the Three Ways and what it can do to be truer to them?</a:t>
             </a:r>
-            <a:endParaRPr lang="en-US" dirty="0"/>
+            <a:endParaRPr lang="en-US" b="1" dirty="0"/>
           </a:p>
         </p:txBody>
       </p:sp>
@@ -9175,7 +9899,7 @@
 </p:sld>
 </file>
 
-<file path=ppt/slides/slide13.xml><?xml version="1.0" encoding="utf-8"?>
+<file path=ppt/slides/slide15.xml><?xml version="1.0" encoding="utf-8"?>
 <p:sld xmlns:a="http://schemas.openxmlformats.org/drawingml/2006/main" xmlns:r="http://schemas.openxmlformats.org/officeDocument/2006/relationships" xmlns:p="http://schemas.openxmlformats.org/presentationml/2006/main">
   <p:cSld>
     <p:spTree>
@@ -9253,14 +9977,14 @@
                 <a:gridCol w="2704714">
                   <a:extLst>
                     <a:ext uri="{9D8B030D-6E8A-4147-A177-3AD203B41FA5}">
-                      <a16:colId xmlns:a16="http://schemas.microsoft.com/office/drawing/2014/main" xmlns="" val="20000"/>
+                      <a16:colId xmlns="" xmlns:a16="http://schemas.microsoft.com/office/drawing/2014/main" val="20000"/>
                     </a:ext>
                   </a:extLst>
                 </a:gridCol>
                 <a:gridCol w="6210686">
                   <a:extLst>
                     <a:ext uri="{9D8B030D-6E8A-4147-A177-3AD203B41FA5}">
-                      <a16:colId xmlns:a16="http://schemas.microsoft.com/office/drawing/2014/main" xmlns="" val="20001"/>
+                      <a16:colId xmlns="" xmlns:a16="http://schemas.microsoft.com/office/drawing/2014/main" val="20001"/>
                     </a:ext>
                   </a:extLst>
                 </a:gridCol>
@@ -9323,7 +10047,7 @@
                 </a:tc>
                 <a:extLst>
                   <a:ext uri="{0D108BD9-81ED-4DB2-BD59-A6C34878D82A}">
-                    <a16:rowId xmlns:a16="http://schemas.microsoft.com/office/drawing/2014/main" xmlns="" val="10000"/>
+                    <a16:rowId xmlns="" xmlns:a16="http://schemas.microsoft.com/office/drawing/2014/main" val="10000"/>
                   </a:ext>
                 </a:extLst>
               </a:tr>
@@ -9832,7 +10556,7 @@
                 </a:tc>
                 <a:extLst>
                   <a:ext uri="{0D108BD9-81ED-4DB2-BD59-A6C34878D82A}">
-                    <a16:rowId xmlns:a16="http://schemas.microsoft.com/office/drawing/2014/main" xmlns="" val="10001"/>
+                    <a16:rowId xmlns="" xmlns:a16="http://schemas.microsoft.com/office/drawing/2014/main" val="10001"/>
                   </a:ext>
                 </a:extLst>
               </a:tr>
@@ -9916,7 +10640,7 @@
 </p:sld>
 </file>
 
-<file path=ppt/slides/slide14.xml><?xml version="1.0" encoding="utf-8"?>
+<file path=ppt/slides/slide16.xml><?xml version="1.0" encoding="utf-8"?>
 <p:sld xmlns:a="http://schemas.openxmlformats.org/drawingml/2006/main" xmlns:r="http://schemas.openxmlformats.org/officeDocument/2006/relationships" xmlns:p="http://schemas.openxmlformats.org/presentationml/2006/main">
   <p:cSld>
     <p:spTree>
@@ -10084,7 +10808,7 @@
 </p:sld>
 </file>
 
-<file path=ppt/slides/slide15.xml><?xml version="1.0" encoding="utf-8"?>
+<file path=ppt/slides/slide2.xml><?xml version="1.0" encoding="utf-8"?>
 <p:sld xmlns:a="http://schemas.openxmlformats.org/drawingml/2006/main" xmlns:r="http://schemas.openxmlformats.org/officeDocument/2006/relationships" xmlns:p="http://schemas.openxmlformats.org/presentationml/2006/main">
   <p:cSld>
     <p:spTree>
@@ -10101,10 +10825,59 @@
           <a:chExt cx="0" cy="0"/>
         </a:xfrm>
       </p:grpSpPr>
+      <p:sp>
+        <p:nvSpPr>
+          <p:cNvPr id="4" name="Rectangle 3"/>
+          <p:cNvSpPr/>
+          <p:nvPr/>
+        </p:nvSpPr>
+        <p:spPr>
+          <a:xfrm>
+            <a:off x="255279" y="2419875"/>
+            <a:ext cx="12086322" cy="1938992"/>
+          </a:xfrm>
+          <a:prstGeom prst="rect">
+            <a:avLst/>
+          </a:prstGeom>
+        </p:spPr>
+        <p:txBody>
+          <a:bodyPr wrap="none">
+            <a:spAutoFit/>
+          </a:bodyPr>
+          <a:lstStyle/>
+          <a:p>
+            <a:pPr algn="ctr"/>
+            <a:r>
+              <a:rPr lang="en-US" sz="6000" b="1" dirty="0" smtClean="0"/>
+              <a:t>Supplemental Material</a:t>
+            </a:r>
+          </a:p>
+          <a:p>
+            <a:pPr algn="ctr"/>
+            <a:r>
+              <a:rPr lang="en-US" sz="6000" b="1" dirty="0"/>
+              <a:t>https://</a:t>
+            </a:r>
+            <a:r>
+              <a:rPr lang="en-US" sz="6000" b="1" dirty="0" err="1"/>
+              <a:t>github.com</a:t>
+            </a:r>
+            <a:r>
+              <a:rPr lang="en-US" sz="6000" b="1" dirty="0"/>
+              <a:t>/Tim-AEQ/</a:t>
+            </a:r>
+            <a:r>
+              <a:rPr lang="en-US" sz="6000" b="1" dirty="0" err="1"/>
+              <a:t>devops</a:t>
+            </a:r>
+            <a:endParaRPr lang="en-US" sz="6000" b="1" dirty="0"/>
+          </a:p>
+        </p:txBody>
+      </p:sp>
     </p:spTree>
     <p:extLst>
       <p:ext uri="{BB962C8B-B14F-4D97-AF65-F5344CB8AC3E}">
-        <p14:creationId xmlns:p14="http://schemas.microsoft.com/office/powerpoint/2010/main" val="981812805"/>
+        <p14:creationId xmlns:p14="http://schemas.microsoft.com/office/powerpoint/2010/main" val="396110291"/>
       </p:ext>
     </p:extLst>
   </p:cSld>
@@ -10114,7 +10887,74 @@
 </p:sld>
 </file>
 
-<file path=ppt/slides/slide2.xml><?xml version="1.0" encoding="utf-8"?>
+<file path=ppt/slides/slide3.xml><?xml version="1.0" encoding="utf-8"?>
+<p:sld xmlns:a="http://schemas.openxmlformats.org/drawingml/2006/main" xmlns:r="http://schemas.openxmlformats.org/officeDocument/2006/relationships" xmlns:p="http://schemas.openxmlformats.org/presentationml/2006/main">
+  <p:cSld>
+    <p:spTree>
+      <p:nvGrpSpPr>
+        <p:cNvPr id="1" name=""/>
+        <p:cNvGrpSpPr/>
+        <p:nvPr/>
+      </p:nvGrpSpPr>
+      <p:grpSpPr>
+        <a:xfrm>
+          <a:off x="0" y="0"/>
+          <a:ext cx="0" cy="0"/>
+          <a:chOff x="0" y="0"/>
+          <a:chExt cx="0" cy="0"/>
+        </a:xfrm>
+      </p:grpSpPr>
+      <p:sp>
+        <p:nvSpPr>
+          <p:cNvPr id="4" name="Rectangle 3"/>
+          <p:cNvSpPr/>
+          <p:nvPr/>
+        </p:nvSpPr>
+        <p:spPr>
+          <a:xfrm>
+            <a:off x="700684" y="2419875"/>
+            <a:ext cx="11195502" cy="1938992"/>
+          </a:xfrm>
+          <a:prstGeom prst="rect">
+            <a:avLst/>
+          </a:prstGeom>
+        </p:spPr>
+        <p:txBody>
+          <a:bodyPr wrap="none">
+            <a:spAutoFit/>
+          </a:bodyPr>
+          <a:lstStyle/>
+          <a:p>
+            <a:pPr algn="ctr"/>
+            <a:r>
+              <a:rPr lang="en-US" sz="6000" b="1" dirty="0" smtClean="0"/>
+              <a:t>In your table groups, discuss what </a:t>
+            </a:r>
+          </a:p>
+          <a:p>
+            <a:pPr algn="ctr"/>
+            <a:r>
+              <a:rPr lang="en-US" sz="6000" b="1" dirty="0" smtClean="0"/>
+              <a:t>DevOps means to you</a:t>
+            </a:r>
+            <a:endParaRPr lang="en-US" sz="6000" b="1" dirty="0"/>
+          </a:p>
+        </p:txBody>
+      </p:sp>
+    </p:spTree>
+    <p:extLst>
+      <p:ext uri="{BB962C8B-B14F-4D97-AF65-F5344CB8AC3E}">
+        <p14:creationId xmlns:p14="http://schemas.microsoft.com/office/powerpoint/2010/main" val="823893622"/>
+      </p:ext>
+    </p:extLst>
+  </p:cSld>
+  <p:clrMapOvr>
+    <a:masterClrMapping/>
+  </p:clrMapOvr>
+</p:sld>
+</file>
+
+<file path=ppt/slides/slide4.xml><?xml version="1.0" encoding="utf-8"?>
 <p:sld xmlns:a="http://schemas.openxmlformats.org/drawingml/2006/main" xmlns:r="http://schemas.openxmlformats.org/officeDocument/2006/relationships" xmlns:p="http://schemas.openxmlformats.org/presentationml/2006/main">
   <p:cSld>
     <p:spTree>
@@ -10174,7 +11014,7 @@
 </p:sld>
 </file>
 
-<file path=ppt/slides/slide3.xml><?xml version="1.0" encoding="utf-8"?>
+<file path=ppt/slides/slide5.xml><?xml version="1.0" encoding="utf-8"?>
 <p:sld xmlns:a="http://schemas.openxmlformats.org/drawingml/2006/main" xmlns:r="http://schemas.openxmlformats.org/officeDocument/2006/relationships" xmlns:p="http://schemas.openxmlformats.org/presentationml/2006/main">
   <p:cSld>
     <p:spTree>
@@ -10219,35 +11059,35 @@
                 <a:gridCol w="2191562">
                   <a:extLst>
                     <a:ext uri="{9D8B030D-6E8A-4147-A177-3AD203B41FA5}">
-                      <a16:colId xmlns="" xmlns:a16="http://schemas.microsoft.com/office/drawing/2014/main" val="20000"/>
+                      <a16:colId xmlns:a16="http://schemas.microsoft.com/office/drawing/2014/main" xmlns="" val="20000"/>
                     </a:ext>
                   </a:extLst>
                 </a:gridCol>
                 <a:gridCol w="2191562">
                   <a:extLst>
                     <a:ext uri="{9D8B030D-6E8A-4147-A177-3AD203B41FA5}">
-                      <a16:colId xmlns="" xmlns:a16="http://schemas.microsoft.com/office/drawing/2014/main" val="20001"/>
+                      <a16:colId xmlns:a16="http://schemas.microsoft.com/office/drawing/2014/main" xmlns="" val="20001"/>
                     </a:ext>
                   </a:extLst>
                 </a:gridCol>
                 <a:gridCol w="2191562">
                   <a:extLst>
                     <a:ext uri="{9D8B030D-6E8A-4147-A177-3AD203B41FA5}">
-                      <a16:colId xmlns="" xmlns:a16="http://schemas.microsoft.com/office/drawing/2014/main" val="20002"/>
+                      <a16:colId xmlns:a16="http://schemas.microsoft.com/office/drawing/2014/main" xmlns="" val="20002"/>
                     </a:ext>
                   </a:extLst>
                 </a:gridCol>
                 <a:gridCol w="1855177">
                   <a:extLst>
                     <a:ext uri="{9D8B030D-6E8A-4147-A177-3AD203B41FA5}">
-                      <a16:colId xmlns="" xmlns:a16="http://schemas.microsoft.com/office/drawing/2014/main" val="20003"/>
+                      <a16:colId xmlns:a16="http://schemas.microsoft.com/office/drawing/2014/main" xmlns="" val="20003"/>
                     </a:ext>
                   </a:extLst>
                 </a:gridCol>
                 <a:gridCol w="2527946">
                   <a:extLst>
                     <a:ext uri="{9D8B030D-6E8A-4147-A177-3AD203B41FA5}">
-                      <a16:colId xmlns="" xmlns:a16="http://schemas.microsoft.com/office/drawing/2014/main" val="20004"/>
+                      <a16:colId xmlns:a16="http://schemas.microsoft.com/office/drawing/2014/main" xmlns="" val="20004"/>
                     </a:ext>
                   </a:extLst>
                 </a:gridCol>
@@ -10353,7 +11193,7 @@
                 </a:tc>
                 <a:extLst>
                   <a:ext uri="{0D108BD9-81ED-4DB2-BD59-A6C34878D82A}">
-                    <a16:rowId xmlns="" xmlns:a16="http://schemas.microsoft.com/office/drawing/2014/main" val="10000"/>
+                    <a16:rowId xmlns:a16="http://schemas.microsoft.com/office/drawing/2014/main" xmlns="" val="10000"/>
                   </a:ext>
                 </a:extLst>
               </a:tr>
@@ -10425,7 +11265,7 @@
                 </a:tc>
                 <a:extLst>
                   <a:ext uri="{0D108BD9-81ED-4DB2-BD59-A6C34878D82A}">
-                    <a16:rowId xmlns="" xmlns:a16="http://schemas.microsoft.com/office/drawing/2014/main" val="83548030"/>
+                    <a16:rowId xmlns:a16="http://schemas.microsoft.com/office/drawing/2014/main" xmlns="" val="83548030"/>
                   </a:ext>
                 </a:extLst>
               </a:tr>
@@ -10497,7 +11337,7 @@
                 </a:tc>
                 <a:extLst>
                   <a:ext uri="{0D108BD9-81ED-4DB2-BD59-A6C34878D82A}">
-                    <a16:rowId xmlns="" xmlns:a16="http://schemas.microsoft.com/office/drawing/2014/main" val="10003"/>
+                    <a16:rowId xmlns:a16="http://schemas.microsoft.com/office/drawing/2014/main" xmlns="" val="10003"/>
                   </a:ext>
                 </a:extLst>
               </a:tr>
@@ -10574,7 +11414,7 @@
                 </a:tc>
                 <a:extLst>
                   <a:ext uri="{0D108BD9-81ED-4DB2-BD59-A6C34878D82A}">
-                    <a16:rowId xmlns="" xmlns:a16="http://schemas.microsoft.com/office/drawing/2014/main" val="1507146575"/>
+                    <a16:rowId xmlns:a16="http://schemas.microsoft.com/office/drawing/2014/main" xmlns="" val="1507146575"/>
                   </a:ext>
                 </a:extLst>
               </a:tr>
@@ -10646,7 +11486,7 @@
                 </a:tc>
                 <a:extLst>
                   <a:ext uri="{0D108BD9-81ED-4DB2-BD59-A6C34878D82A}">
-                    <a16:rowId xmlns="" xmlns:a16="http://schemas.microsoft.com/office/drawing/2014/main" val="10004"/>
+                    <a16:rowId xmlns:a16="http://schemas.microsoft.com/office/drawing/2014/main" xmlns="" val="10004"/>
                   </a:ext>
                 </a:extLst>
               </a:tr>
@@ -10723,7 +11563,7 @@
                 </a:tc>
                 <a:extLst>
                   <a:ext uri="{0D108BD9-81ED-4DB2-BD59-A6C34878D82A}">
-                    <a16:rowId xmlns="" xmlns:a16="http://schemas.microsoft.com/office/drawing/2014/main" val="2223976903"/>
+                    <a16:rowId xmlns:a16="http://schemas.microsoft.com/office/drawing/2014/main" xmlns="" val="2223976903"/>
                   </a:ext>
                 </a:extLst>
               </a:tr>
@@ -10800,7 +11640,7 @@
                 </a:tc>
                 <a:extLst>
                   <a:ext uri="{0D108BD9-81ED-4DB2-BD59-A6C34878D82A}">
-                    <a16:rowId xmlns="" xmlns:a16="http://schemas.microsoft.com/office/drawing/2014/main" val="10005"/>
+                    <a16:rowId xmlns:a16="http://schemas.microsoft.com/office/drawing/2014/main" xmlns="" val="10005"/>
                   </a:ext>
                 </a:extLst>
               </a:tr>
@@ -10877,7 +11717,7 @@
                 </a:tc>
                 <a:extLst>
                   <a:ext uri="{0D108BD9-81ED-4DB2-BD59-A6C34878D82A}">
-                    <a16:rowId xmlns="" xmlns:a16="http://schemas.microsoft.com/office/drawing/2014/main" val="10006"/>
+                    <a16:rowId xmlns:a16="http://schemas.microsoft.com/office/drawing/2014/main" xmlns="" val="10006"/>
                   </a:ext>
                 </a:extLst>
               </a:tr>
@@ -10898,7 +11738,7 @@
 </p:sld>
 </file>
 
-<file path=ppt/slides/slide4.xml><?xml version="1.0" encoding="utf-8"?>
+<file path=ppt/slides/slide6.xml><?xml version="1.0" encoding="utf-8"?>
 <p:sld xmlns:a="http://schemas.openxmlformats.org/drawingml/2006/main" xmlns:r="http://schemas.openxmlformats.org/officeDocument/2006/relationships" xmlns:p="http://schemas.openxmlformats.org/presentationml/2006/main">
   <p:cSld>
     <p:spTree>
@@ -11722,7 +12562,7 @@
 </p:sld>
 </file>
 
-<file path=ppt/slides/slide5.xml><?xml version="1.0" encoding="utf-8"?>
+<file path=ppt/slides/slide7.xml><?xml version="1.0" encoding="utf-8"?>
 <p:sld xmlns:a="http://schemas.openxmlformats.org/drawingml/2006/main" xmlns:r="http://schemas.openxmlformats.org/officeDocument/2006/relationships" xmlns:p="http://schemas.openxmlformats.org/presentationml/2006/main">
   <p:cSld>
     <p:spTree>
@@ -11798,7 +12638,7 @@
 </p:sld>
 </file>
 
-<file path=ppt/slides/slide6.xml><?xml version="1.0" encoding="utf-8"?>
+<file path=ppt/slides/slide8.xml><?xml version="1.0" encoding="utf-8"?>
 <p:sld xmlns:a="http://schemas.openxmlformats.org/drawingml/2006/main" xmlns:r="http://schemas.openxmlformats.org/officeDocument/2006/relationships" xmlns:p="http://schemas.openxmlformats.org/presentationml/2006/main">
   <p:cSld>
     <p:spTree>
@@ -11863,7 +12703,7 @@
 </p:sld>
 </file>
 
-<file path=ppt/slides/slide7.xml><?xml version="1.0" encoding="utf-8"?>
+<file path=ppt/slides/slide9.xml><?xml version="1.0" encoding="utf-8"?>
 <p:sld xmlns:a="http://schemas.openxmlformats.org/drawingml/2006/main" xmlns:r="http://schemas.openxmlformats.org/officeDocument/2006/relationships" xmlns:p="http://schemas.openxmlformats.org/presentationml/2006/main">
   <p:cSld>
     <p:spTree>
@@ -11911,706 +12751,6 @@
   <p:clrMapOvr>
     <a:masterClrMapping/>
   </p:clrMapOvr>
-</p:sld>
-</file>
-
-<file path=ppt/slides/slide8.xml><?xml version="1.0" encoding="utf-8"?>
-<p:sld xmlns:a="http://schemas.openxmlformats.org/drawingml/2006/main" xmlns:r="http://schemas.openxmlformats.org/officeDocument/2006/relationships" xmlns:p="http://schemas.openxmlformats.org/presentationml/2006/main">
-  <p:cSld>
-    <p:spTree>
-      <p:nvGrpSpPr>
-        <p:cNvPr id="1" name=""/>
-        <p:cNvGrpSpPr/>
-        <p:nvPr/>
-      </p:nvGrpSpPr>
-      <p:grpSpPr>
-        <a:xfrm>
-          <a:off x="0" y="0"/>
-          <a:ext cx="0" cy="0"/>
-          <a:chOff x="0" y="0"/>
-          <a:chExt cx="0" cy="0"/>
-        </a:xfrm>
-      </p:grpSpPr>
-      <p:sp>
-        <p:nvSpPr>
-          <p:cNvPr id="2" name="Title 1"/>
-          <p:cNvSpPr>
-            <a:spLocks noGrp="1"/>
-          </p:cNvSpPr>
-          <p:nvPr>
-            <p:ph type="title"/>
-          </p:nvPr>
-        </p:nvSpPr>
-        <p:spPr/>
-        <p:txBody>
-          <a:bodyPr/>
-          <a:lstStyle/>
-          <a:p>
-            <a:r>
-              <a:rPr lang="en-CA" dirty="0"/>
-              <a:t>Introducing the “Three Ways”</a:t>
-            </a:r>
-          </a:p>
-        </p:txBody>
-      </p:sp>
-      <p:sp>
-        <p:nvSpPr>
-          <p:cNvPr id="3" name="Arrow: Down 2"/>
-          <p:cNvSpPr/>
-          <p:nvPr/>
-        </p:nvSpPr>
-        <p:spPr>
-          <a:xfrm>
-            <a:off x="1833385" y="2050955"/>
-            <a:ext cx="979714" cy="2506007"/>
-          </a:xfrm>
-          <a:prstGeom prst="downArrow">
-            <a:avLst>
-              <a:gd name="adj1" fmla="val 50000"/>
-              <a:gd name="adj2" fmla="val 57368"/>
-            </a:avLst>
-          </a:prstGeom>
-          <a:solidFill>
-            <a:srgbClr val="1D4999"/>
-          </a:solidFill>
-          <a:ln>
-            <a:solidFill>
-              <a:srgbClr val="1D4999"/>
-            </a:solidFill>
-          </a:ln>
-        </p:spPr>
-        <p:style>
-          <a:lnRef idx="2">
-            <a:schemeClr val="accent1">
-              <a:shade val="50000"/>
-            </a:schemeClr>
-          </a:lnRef>
-          <a:fillRef idx="1">
-            <a:schemeClr val="accent1"/>
-          </a:fillRef>
-          <a:effectRef idx="0">
-            <a:schemeClr val="accent1"/>
-          </a:effectRef>
-          <a:fontRef idx="minor">
-            <a:schemeClr val="lt1"/>
-          </a:fontRef>
-        </p:style>
-        <p:txBody>
-          <a:bodyPr vert="vert270" rtlCol="0" anchor="ctr"/>
-          <a:lstStyle/>
-          <a:p>
-            <a:pPr algn="ctr"/>
-            <a:r>
-              <a:rPr lang="en-CA" dirty="0"/>
-              <a:t>Increasing Maturity in DevOps</a:t>
-            </a:r>
-          </a:p>
-        </p:txBody>
-      </p:sp>
-      <p:sp>
-        <p:nvSpPr>
-          <p:cNvPr id="4" name="Rectangle 3"/>
-          <p:cNvSpPr/>
-          <p:nvPr/>
-        </p:nvSpPr>
-        <p:spPr>
-          <a:xfrm>
-            <a:off x="2895600" y="2025173"/>
-            <a:ext cx="1981200" cy="799241"/>
-          </a:xfrm>
-          <a:prstGeom prst="rect">
-            <a:avLst/>
-          </a:prstGeom>
-          <a:solidFill>
-            <a:srgbClr val="1D4999"/>
-          </a:solidFill>
-          <a:ln>
-            <a:solidFill>
-              <a:srgbClr val="1D4999"/>
-            </a:solidFill>
-          </a:ln>
-        </p:spPr>
-        <p:style>
-          <a:lnRef idx="2">
-            <a:schemeClr val="accent1">
-              <a:shade val="50000"/>
-            </a:schemeClr>
-          </a:lnRef>
-          <a:fillRef idx="1">
-            <a:schemeClr val="accent1"/>
-          </a:fillRef>
-          <a:effectRef idx="0">
-            <a:schemeClr val="accent1"/>
-          </a:effectRef>
-          <a:fontRef idx="minor">
-            <a:schemeClr val="lt1"/>
-          </a:fontRef>
-        </p:style>
-        <p:txBody>
-          <a:bodyPr rtlCol="0" anchor="ctr"/>
-          <a:lstStyle/>
-          <a:p>
-            <a:pPr algn="ctr"/>
-            <a:r>
-              <a:rPr lang="en-CA" sz="1600" dirty="0"/>
-              <a:t>Way #1:  System Thinking</a:t>
-            </a:r>
-          </a:p>
-        </p:txBody>
-      </p:sp>
-      <p:sp>
-        <p:nvSpPr>
-          <p:cNvPr id="5" name="Rectangle 4"/>
-          <p:cNvSpPr/>
-          <p:nvPr/>
-        </p:nvSpPr>
-        <p:spPr>
-          <a:xfrm>
-            <a:off x="2895600" y="2891447"/>
-            <a:ext cx="1981200" cy="799241"/>
-          </a:xfrm>
-          <a:prstGeom prst="rect">
-            <a:avLst/>
-          </a:prstGeom>
-          <a:solidFill>
-            <a:srgbClr val="1D4999"/>
-          </a:solidFill>
-          <a:ln>
-            <a:solidFill>
-              <a:srgbClr val="1D4999"/>
-            </a:solidFill>
-          </a:ln>
-        </p:spPr>
-        <p:style>
-          <a:lnRef idx="2">
-            <a:schemeClr val="accent1">
-              <a:shade val="50000"/>
-            </a:schemeClr>
-          </a:lnRef>
-          <a:fillRef idx="1">
-            <a:schemeClr val="accent1"/>
-          </a:fillRef>
-          <a:effectRef idx="0">
-            <a:schemeClr val="accent1"/>
-          </a:effectRef>
-          <a:fontRef idx="minor">
-            <a:schemeClr val="lt1"/>
-          </a:fontRef>
-        </p:style>
-        <p:txBody>
-          <a:bodyPr rtlCol="0" anchor="ctr"/>
-          <a:lstStyle/>
-          <a:p>
-            <a:pPr algn="ctr"/>
-            <a:r>
-              <a:rPr lang="en-CA" sz="1600" dirty="0"/>
-              <a:t>Way #2:  Feedback Loops</a:t>
-            </a:r>
-          </a:p>
-        </p:txBody>
-      </p:sp>
-      <p:sp>
-        <p:nvSpPr>
-          <p:cNvPr id="6" name="Rectangle 5"/>
-          <p:cNvSpPr/>
-          <p:nvPr/>
-        </p:nvSpPr>
-        <p:spPr>
-          <a:xfrm>
-            <a:off x="2895600" y="3757721"/>
-            <a:ext cx="1981200" cy="799241"/>
-          </a:xfrm>
-          <a:prstGeom prst="rect">
-            <a:avLst/>
-          </a:prstGeom>
-          <a:solidFill>
-            <a:srgbClr val="1D4999"/>
-          </a:solidFill>
-          <a:ln>
-            <a:solidFill>
-              <a:srgbClr val="1D4999"/>
-            </a:solidFill>
-          </a:ln>
-        </p:spPr>
-        <p:style>
-          <a:lnRef idx="2">
-            <a:schemeClr val="accent1">
-              <a:shade val="50000"/>
-            </a:schemeClr>
-          </a:lnRef>
-          <a:fillRef idx="1">
-            <a:schemeClr val="accent1"/>
-          </a:fillRef>
-          <a:effectRef idx="0">
-            <a:schemeClr val="accent1"/>
-          </a:effectRef>
-          <a:fontRef idx="minor">
-            <a:schemeClr val="lt1"/>
-          </a:fontRef>
-        </p:style>
-        <p:txBody>
-          <a:bodyPr rtlCol="0" anchor="ctr"/>
-          <a:lstStyle/>
-          <a:p>
-            <a:pPr algn="ctr"/>
-            <a:r>
-              <a:rPr lang="en-CA" sz="1600" dirty="0"/>
-              <a:t>Way #3:  Continuous Learning and Experimentation</a:t>
-            </a:r>
-          </a:p>
-        </p:txBody>
-      </p:sp>
-      <p:sp>
-        <p:nvSpPr>
-          <p:cNvPr id="7" name="Rectangle 6"/>
-          <p:cNvSpPr/>
-          <p:nvPr/>
-        </p:nvSpPr>
-        <p:spPr>
-          <a:xfrm>
-            <a:off x="5029201" y="2025173"/>
-            <a:ext cx="3966985" cy="799241"/>
-          </a:xfrm>
-          <a:prstGeom prst="rect">
-            <a:avLst/>
-          </a:prstGeom>
-          <a:solidFill>
-            <a:srgbClr val="1D4999"/>
-          </a:solidFill>
-          <a:ln>
-            <a:solidFill>
-              <a:srgbClr val="1D4999"/>
-            </a:solidFill>
-          </a:ln>
-        </p:spPr>
-        <p:style>
-          <a:lnRef idx="2">
-            <a:schemeClr val="accent1">
-              <a:shade val="50000"/>
-            </a:schemeClr>
-          </a:lnRef>
-          <a:fillRef idx="1">
-            <a:schemeClr val="accent1"/>
-          </a:fillRef>
-          <a:effectRef idx="0">
-            <a:schemeClr val="accent1"/>
-          </a:effectRef>
-          <a:fontRef idx="minor">
-            <a:schemeClr val="lt1"/>
-          </a:fontRef>
-        </p:style>
-        <p:txBody>
-          <a:bodyPr rtlCol="0" anchor="ctr"/>
-          <a:lstStyle/>
-          <a:p>
-            <a:pPr marL="214313" indent="-214313">
-              <a:buFont typeface="Arial" panose="020B0604020202020204" pitchFamily="34" charset="0"/>
-              <a:buChar char="•"/>
-            </a:pPr>
-            <a:r>
-              <a:rPr lang="en-CA" sz="1200" dirty="0"/>
-              <a:t>Focus is on holistic system performance</a:t>
-            </a:r>
-          </a:p>
-          <a:p>
-            <a:pPr marL="214313" indent="-214313">
-              <a:buFont typeface="Arial" panose="020B0604020202020204" pitchFamily="34" charset="0"/>
-              <a:buChar char="•"/>
-            </a:pPr>
-            <a:r>
-              <a:rPr lang="en-CA" sz="1200" dirty="0"/>
-              <a:t>Minimize/eliminate bugs going “downstream”</a:t>
-            </a:r>
-          </a:p>
-          <a:p>
-            <a:pPr marL="214313" indent="-214313">
-              <a:buFont typeface="Arial" panose="020B0604020202020204" pitchFamily="34" charset="0"/>
-              <a:buChar char="•"/>
-            </a:pPr>
-            <a:r>
-              <a:rPr lang="en-CA" sz="1200" dirty="0"/>
-              <a:t>Increase flow of work / eliminate bottlenecks</a:t>
-            </a:r>
-          </a:p>
-        </p:txBody>
-      </p:sp>
-      <p:sp>
-        <p:nvSpPr>
-          <p:cNvPr id="8" name="Rectangle 7"/>
-          <p:cNvSpPr/>
-          <p:nvPr/>
-        </p:nvSpPr>
-        <p:spPr>
-          <a:xfrm>
-            <a:off x="5029201" y="2891447"/>
-            <a:ext cx="3966985" cy="799241"/>
-          </a:xfrm>
-          <a:prstGeom prst="rect">
-            <a:avLst/>
-          </a:prstGeom>
-          <a:solidFill>
-            <a:srgbClr val="1D4999"/>
-          </a:solidFill>
-          <a:ln>
-            <a:solidFill>
-              <a:srgbClr val="1D4999"/>
-            </a:solidFill>
-          </a:ln>
-        </p:spPr>
-        <p:style>
-          <a:lnRef idx="2">
-            <a:schemeClr val="accent1">
-              <a:shade val="50000"/>
-            </a:schemeClr>
-          </a:lnRef>
-          <a:fillRef idx="1">
-            <a:schemeClr val="accent1"/>
-          </a:fillRef>
-          <a:effectRef idx="0">
-            <a:schemeClr val="accent1"/>
-          </a:effectRef>
-          <a:fontRef idx="minor">
-            <a:schemeClr val="lt1"/>
-          </a:fontRef>
-        </p:style>
-        <p:txBody>
-          <a:bodyPr rtlCol="0" anchor="ctr"/>
-          <a:lstStyle/>
-          <a:p>
-            <a:pPr marL="214313" indent="-214313">
-              <a:buFont typeface="Arial" panose="020B0604020202020204" pitchFamily="34" charset="0"/>
-              <a:buChar char="•"/>
-            </a:pPr>
-            <a:r>
-              <a:rPr lang="en-CA" sz="1200" dirty="0"/>
-              <a:t>Get feedback from one </a:t>
-            </a:r>
-            <a:r>
-              <a:rPr lang="en-CA" sz="1200" dirty="0" err="1"/>
-              <a:t>workstream</a:t>
-            </a:r>
-            <a:r>
-              <a:rPr lang="en-CA" sz="1200" dirty="0"/>
-              <a:t> to the next quickly</a:t>
-            </a:r>
-          </a:p>
-          <a:p>
-            <a:pPr marL="214313" indent="-214313">
-              <a:buFont typeface="Arial" panose="020B0604020202020204" pitchFamily="34" charset="0"/>
-              <a:buChar char="•"/>
-            </a:pPr>
-            <a:r>
-              <a:rPr lang="en-CA" sz="1200" dirty="0"/>
-              <a:t>Iterate on feedback and shorten cadence</a:t>
-            </a:r>
-          </a:p>
-          <a:p>
-            <a:pPr marL="214313" indent="-214313">
-              <a:buFont typeface="Arial" panose="020B0604020202020204" pitchFamily="34" charset="0"/>
-              <a:buChar char="•"/>
-            </a:pPr>
-            <a:r>
-              <a:rPr lang="en-CA" sz="1200" dirty="0"/>
-              <a:t>Share knowledge and centralize it</a:t>
-            </a:r>
-          </a:p>
-        </p:txBody>
-      </p:sp>
-      <p:sp>
-        <p:nvSpPr>
-          <p:cNvPr id="9" name="Rectangle 8"/>
-          <p:cNvSpPr/>
-          <p:nvPr/>
-        </p:nvSpPr>
-        <p:spPr>
-          <a:xfrm>
-            <a:off x="5029201" y="3757721"/>
-            <a:ext cx="3966985" cy="799241"/>
-          </a:xfrm>
-          <a:prstGeom prst="rect">
-            <a:avLst/>
-          </a:prstGeom>
-          <a:solidFill>
-            <a:srgbClr val="1D4999"/>
-          </a:solidFill>
-          <a:ln>
-            <a:solidFill>
-              <a:srgbClr val="1D4999"/>
-            </a:solidFill>
-          </a:ln>
-        </p:spPr>
-        <p:style>
-          <a:lnRef idx="2">
-            <a:schemeClr val="accent1">
-              <a:shade val="50000"/>
-            </a:schemeClr>
-          </a:lnRef>
-          <a:fillRef idx="1">
-            <a:schemeClr val="accent1"/>
-          </a:fillRef>
-          <a:effectRef idx="0">
-            <a:schemeClr val="accent1"/>
-          </a:effectRef>
-          <a:fontRef idx="minor">
-            <a:schemeClr val="lt1"/>
-          </a:fontRef>
-        </p:style>
-        <p:txBody>
-          <a:bodyPr rtlCol="0" anchor="ctr"/>
-          <a:lstStyle/>
-          <a:p>
-            <a:pPr marL="214313" indent="-214313">
-              <a:buFont typeface="Arial" panose="020B0604020202020204" pitchFamily="34" charset="0"/>
-              <a:buChar char="•"/>
-            </a:pPr>
-            <a:r>
-              <a:rPr lang="en-CA" sz="1200" dirty="0"/>
-              <a:t>Take risks, try new approaches to solve the business pain</a:t>
-            </a:r>
-          </a:p>
-          <a:p>
-            <a:pPr marL="214313" indent="-214313">
-              <a:buFont typeface="Arial" panose="020B0604020202020204" pitchFamily="34" charset="0"/>
-              <a:buChar char="•"/>
-            </a:pPr>
-            <a:r>
-              <a:rPr lang="en-CA" sz="1200" dirty="0"/>
-              <a:t>Allocate time for introspection (what could have been done better today?)</a:t>
-            </a:r>
-          </a:p>
-          <a:p>
-            <a:pPr marL="214313" indent="-214313">
-              <a:buFont typeface="Arial" panose="020B0604020202020204" pitchFamily="34" charset="0"/>
-              <a:buChar char="•"/>
-            </a:pPr>
-            <a:r>
-              <a:rPr lang="en-CA" sz="1200" dirty="0"/>
-              <a:t>Celebrate failure as an opportunity to learn</a:t>
-            </a:r>
-          </a:p>
-        </p:txBody>
-      </p:sp>
-      <p:sp>
-        <p:nvSpPr>
-          <p:cNvPr id="10" name="Arrow: Down 9"/>
-          <p:cNvSpPr/>
-          <p:nvPr/>
-        </p:nvSpPr>
-        <p:spPr>
-          <a:xfrm>
-            <a:off x="9078686" y="2050955"/>
-            <a:ext cx="979714" cy="2506007"/>
-          </a:xfrm>
-          <a:prstGeom prst="downArrow">
-            <a:avLst>
-              <a:gd name="adj1" fmla="val 50000"/>
-              <a:gd name="adj2" fmla="val 57368"/>
-            </a:avLst>
-          </a:prstGeom>
-          <a:solidFill>
-            <a:srgbClr val="1D4999"/>
-          </a:solidFill>
-          <a:ln>
-            <a:solidFill>
-              <a:srgbClr val="1D4999"/>
-            </a:solidFill>
-          </a:ln>
-        </p:spPr>
-        <p:style>
-          <a:lnRef idx="2">
-            <a:schemeClr val="accent1">
-              <a:shade val="50000"/>
-            </a:schemeClr>
-          </a:lnRef>
-          <a:fillRef idx="1">
-            <a:schemeClr val="accent1"/>
-          </a:fillRef>
-          <a:effectRef idx="0">
-            <a:schemeClr val="accent1"/>
-          </a:effectRef>
-          <a:fontRef idx="minor">
-            <a:schemeClr val="lt1"/>
-          </a:fontRef>
-        </p:style>
-        <p:txBody>
-          <a:bodyPr vert="vert270" rtlCol="0" anchor="ctr"/>
-          <a:lstStyle/>
-          <a:p>
-            <a:pPr algn="ctr"/>
-            <a:r>
-              <a:rPr lang="en-CA" dirty="0"/>
-              <a:t>Decreased time to business value</a:t>
-            </a:r>
-          </a:p>
-        </p:txBody>
-      </p:sp>
-    </p:spTree>
-    <p:extLst>
-      <p:ext uri="{BB962C8B-B14F-4D97-AF65-F5344CB8AC3E}">
-        <p14:creationId xmlns:p14="http://schemas.microsoft.com/office/powerpoint/2010/main" val="1275535058"/>
-      </p:ext>
-    </p:extLst>
-  </p:cSld>
-  <p:clrMapOvr>
-    <a:masterClrMapping/>
-  </p:clrMapOvr>
-  <mc:AlternateContent xmlns:mc="http://schemas.openxmlformats.org/markup-compatibility/2006" xmlns:p14="http://schemas.microsoft.com/office/powerpoint/2010/main">
-    <mc:Choice Requires="p14">
-      <p:transition spd="med" p14:dur="700">
-        <p:fade/>
-      </p:transition>
-    </mc:Choice>
-    <mc:Fallback xmlns="">
-      <p:transition spd="med">
-        <p:fade/>
-      </p:transition>
-    </mc:Fallback>
-  </mc:AlternateContent>
-</p:sld>
-</file>
-
-<file path=ppt/slides/slide9.xml><?xml version="1.0" encoding="utf-8"?>
-<p:sld xmlns:a="http://schemas.openxmlformats.org/drawingml/2006/main" xmlns:r="http://schemas.openxmlformats.org/officeDocument/2006/relationships" xmlns:p="http://schemas.openxmlformats.org/presentationml/2006/main">
-  <p:cSld>
-    <p:spTree>
-      <p:nvGrpSpPr>
-        <p:cNvPr id="1" name=""/>
-        <p:cNvGrpSpPr/>
-        <p:nvPr/>
-      </p:nvGrpSpPr>
-      <p:grpSpPr>
-        <a:xfrm>
-          <a:off x="0" y="0"/>
-          <a:ext cx="0" cy="0"/>
-          <a:chOff x="0" y="0"/>
-          <a:chExt cx="0" cy="0"/>
-        </a:xfrm>
-      </p:grpSpPr>
-      <p:sp>
-        <p:nvSpPr>
-          <p:cNvPr id="12" name="Rectangle: Rounded Corners 14"/>
-          <p:cNvSpPr/>
-          <p:nvPr/>
-        </p:nvSpPr>
-        <p:spPr>
-          <a:xfrm>
-            <a:off x="377192" y="1828799"/>
-            <a:ext cx="11584958" cy="2683241"/>
-          </a:xfrm>
-          <a:prstGeom prst="roundRect">
-            <a:avLst>
-              <a:gd name="adj" fmla="val 7757"/>
-            </a:avLst>
-          </a:prstGeom>
-          <a:noFill/>
-          <a:ln>
-            <a:solidFill>
-              <a:srgbClr val="1D4999"/>
-            </a:solidFill>
-          </a:ln>
-        </p:spPr>
-        <p:style>
-          <a:lnRef idx="2">
-            <a:schemeClr val="accent1">
-              <a:shade val="50000"/>
-            </a:schemeClr>
-          </a:lnRef>
-          <a:fillRef idx="1">
-            <a:schemeClr val="accent1"/>
-          </a:fillRef>
-          <a:effectRef idx="0">
-            <a:schemeClr val="accent1"/>
-          </a:effectRef>
-          <a:fontRef idx="minor">
-            <a:schemeClr val="lt1"/>
-          </a:fontRef>
-        </p:style>
-        <p:txBody>
-          <a:bodyPr rtlCol="0" anchor="t"/>
-          <a:lstStyle/>
-          <a:p>
-            <a:r>
-              <a:rPr lang="en-CA" sz="2400" b="1" dirty="0">
-                <a:solidFill>
-                  <a:schemeClr val="tx1"/>
-                </a:solidFill>
-              </a:rPr>
-              <a:t>How do you know you’ve mastered the First Way?</a:t>
-            </a:r>
-          </a:p>
-          <a:p>
-            <a:endParaRPr lang="en-CA" sz="2400" b="1" dirty="0">
-              <a:solidFill>
-                <a:schemeClr val="tx1"/>
-              </a:solidFill>
-            </a:endParaRPr>
-          </a:p>
-          <a:p>
-            <a:pPr marL="257175" indent="-257175">
-              <a:buFont typeface="+mj-lt"/>
-              <a:buAutoNum type="arabicPeriod"/>
-            </a:pPr>
-            <a:r>
-              <a:rPr lang="en-CA" sz="2400" dirty="0">
-                <a:solidFill>
-                  <a:schemeClr val="tx1"/>
-                </a:solidFill>
-              </a:rPr>
-              <a:t>You have identified bottlenecks in your process that inhibits work from getting done and have fixed this.</a:t>
-            </a:r>
-          </a:p>
-          <a:p>
-            <a:pPr marL="257175" indent="-257175">
-              <a:buFont typeface="+mj-lt"/>
-              <a:buAutoNum type="arabicPeriod"/>
-            </a:pPr>
-            <a:r>
-              <a:rPr lang="en-CA" sz="2400" dirty="0">
-                <a:solidFill>
-                  <a:schemeClr val="tx1"/>
-                </a:solidFill>
-              </a:rPr>
-              <a:t>Your product quality is starting to trend upwards</a:t>
-            </a:r>
-          </a:p>
-          <a:p>
-            <a:pPr marL="257175" indent="-257175">
-              <a:buFont typeface="+mj-lt"/>
-              <a:buAutoNum type="arabicPeriod"/>
-            </a:pPr>
-            <a:r>
-              <a:rPr lang="en-CA" sz="2400" dirty="0">
-                <a:solidFill>
-                  <a:schemeClr val="tx1"/>
-                </a:solidFill>
-              </a:rPr>
-              <a:t>Your teams are starting to collaborate more organically.</a:t>
-            </a:r>
-          </a:p>
-        </p:txBody>
-      </p:sp>
-    </p:spTree>
-    <p:extLst>
-      <p:ext uri="{BB962C8B-B14F-4D97-AF65-F5344CB8AC3E}">
-        <p14:creationId xmlns:p14="http://schemas.microsoft.com/office/powerpoint/2010/main" val="346461542"/>
-      </p:ext>
-    </p:extLst>
-  </p:cSld>
-  <p:clrMapOvr>
-    <a:masterClrMapping/>
-  </p:clrMapOvr>
-  <mc:AlternateContent xmlns:mc="http://schemas.openxmlformats.org/markup-compatibility/2006" xmlns:p14="http://schemas.microsoft.com/office/powerpoint/2010/main">
-    <mc:Choice Requires="p14">
-      <p:transition spd="med" p14:dur="700">
-        <p:fade/>
-      </p:transition>
-    </mc:Choice>
-    <mc:Fallback xmlns="">
-      <p:transition spd="med">
-        <p:fade/>
-      </p:transition>
-    </mc:Fallback>
-  </mc:AlternateContent>
 </p:sld>
 </file>
 
